--- a/MSBI.E01-Intro/MSBI.Dev.S21E01.pptx
+++ b/MSBI.E01-Intro/MSBI.Dev.S21E01.pptx
@@ -7,10 +7,10 @@
     <p:sldMasterId id="2147483777" r:id="rId6"/>
   </p:sldMasterIdLst>
   <p:notesMasterIdLst>
-    <p:notesMasterId r:id="rId37"/>
+    <p:notesMasterId r:id="rId35"/>
   </p:notesMasterIdLst>
   <p:handoutMasterIdLst>
-    <p:handoutMasterId r:id="rId38"/>
+    <p:handoutMasterId r:id="rId36"/>
   </p:handoutMasterIdLst>
   <p:sldIdLst>
     <p:sldId id="276" r:id="rId7"/>
@@ -22,27 +22,25 @@
     <p:sldId id="521" r:id="rId13"/>
     <p:sldId id="501" r:id="rId14"/>
     <p:sldId id="533" r:id="rId15"/>
-    <p:sldId id="472" r:id="rId16"/>
-    <p:sldId id="524" r:id="rId17"/>
-    <p:sldId id="541" r:id="rId18"/>
-    <p:sldId id="542" r:id="rId19"/>
-    <p:sldId id="479" r:id="rId20"/>
-    <p:sldId id="480" r:id="rId21"/>
-    <p:sldId id="531" r:id="rId22"/>
-    <p:sldId id="481" r:id="rId23"/>
-    <p:sldId id="534" r:id="rId24"/>
-    <p:sldId id="543" r:id="rId25"/>
-    <p:sldId id="544" r:id="rId26"/>
-    <p:sldId id="476" r:id="rId27"/>
-    <p:sldId id="522" r:id="rId28"/>
-    <p:sldId id="525" r:id="rId29"/>
-    <p:sldId id="519" r:id="rId30"/>
-    <p:sldId id="527" r:id="rId31"/>
-    <p:sldId id="528" r:id="rId32"/>
-    <p:sldId id="530" r:id="rId33"/>
-    <p:sldId id="535" r:id="rId34"/>
-    <p:sldId id="537" r:id="rId35"/>
-    <p:sldId id="506" r:id="rId36"/>
+    <p:sldId id="541" r:id="rId16"/>
+    <p:sldId id="542" r:id="rId17"/>
+    <p:sldId id="479" r:id="rId18"/>
+    <p:sldId id="480" r:id="rId19"/>
+    <p:sldId id="531" r:id="rId20"/>
+    <p:sldId id="481" r:id="rId21"/>
+    <p:sldId id="524" r:id="rId22"/>
+    <p:sldId id="534" r:id="rId23"/>
+    <p:sldId id="543" r:id="rId24"/>
+    <p:sldId id="544" r:id="rId25"/>
+    <p:sldId id="476" r:id="rId26"/>
+    <p:sldId id="522" r:id="rId27"/>
+    <p:sldId id="525" r:id="rId28"/>
+    <p:sldId id="519" r:id="rId29"/>
+    <p:sldId id="527" r:id="rId30"/>
+    <p:sldId id="528" r:id="rId31"/>
+    <p:sldId id="530" r:id="rId32"/>
+    <p:sldId id="535" r:id="rId33"/>
+    <p:sldId id="537" r:id="rId34"/>
   </p:sldIdLst>
   <p:sldSz cx="9144000" cy="5143500" type="screen16x9"/>
   <p:notesSz cx="6858000" cy="9144000"/>
@@ -996,7 +994,7 @@
               <a:tabLst/>
               <a:defRPr/>
             </a:pPr>
-            <a:endParaRPr lang="en-US" dirty="0"/>
+            <a:endParaRPr lang="en-US"/>
           </a:p>
         </p:txBody>
       </p:sp>
@@ -1026,7 +1024,7 @@
     </p:spTree>
     <p:extLst>
       <p:ext uri="{BB962C8B-B14F-4D97-AF65-F5344CB8AC3E}">
-        <p14:creationId xmlns:p14="http://schemas.microsoft.com/office/powerpoint/2010/main" val="2578708714"/>
+        <p14:creationId xmlns:p14="http://schemas.microsoft.com/office/powerpoint/2010/main" val="2358385803"/>
       </p:ext>
     </p:extLst>
   </p:cSld>
@@ -1132,7 +1130,7 @@
     </p:spTree>
     <p:extLst>
       <p:ext uri="{BB962C8B-B14F-4D97-AF65-F5344CB8AC3E}">
-        <p14:creationId xmlns:p14="http://schemas.microsoft.com/office/powerpoint/2010/main" val="2050670300"/>
+        <p14:creationId xmlns:p14="http://schemas.microsoft.com/office/powerpoint/2010/main" val="2524737616"/>
       </p:ext>
     </p:extLst>
   </p:cSld>
@@ -1238,7 +1236,7 @@
     </p:spTree>
     <p:extLst>
       <p:ext uri="{BB962C8B-B14F-4D97-AF65-F5344CB8AC3E}">
-        <p14:creationId xmlns:p14="http://schemas.microsoft.com/office/powerpoint/2010/main" val="2358385803"/>
+        <p14:creationId xmlns:p14="http://schemas.microsoft.com/office/powerpoint/2010/main" val="3618551076"/>
       </p:ext>
     </p:extLst>
   </p:cSld>
@@ -1344,7 +1342,7 @@
     </p:spTree>
     <p:extLst>
       <p:ext uri="{BB962C8B-B14F-4D97-AF65-F5344CB8AC3E}">
-        <p14:creationId xmlns:p14="http://schemas.microsoft.com/office/powerpoint/2010/main" val="2524737616"/>
+        <p14:creationId xmlns:p14="http://schemas.microsoft.com/office/powerpoint/2010/main" val="3506289928"/>
       </p:ext>
     </p:extLst>
   </p:cSld>
@@ -1450,7 +1448,7 @@
     </p:spTree>
     <p:extLst>
       <p:ext uri="{BB962C8B-B14F-4D97-AF65-F5344CB8AC3E}">
-        <p14:creationId xmlns:p14="http://schemas.microsoft.com/office/powerpoint/2010/main" val="3618551076"/>
+        <p14:creationId xmlns:p14="http://schemas.microsoft.com/office/powerpoint/2010/main" val="2185732678"/>
       </p:ext>
     </p:extLst>
   </p:cSld>
@@ -1461,6 +1459,201 @@
 </file>
 
 <file path=ppt/notesSlides/notesSlide15.xml><?xml version="1.0" encoding="utf-8"?>
+<p:notes xmlns:a="http://schemas.openxmlformats.org/drawingml/2006/main" xmlns:r="http://schemas.openxmlformats.org/officeDocument/2006/relationships" xmlns:p="http://schemas.openxmlformats.org/presentationml/2006/main">
+  <p:cSld>
+    <p:spTree>
+      <p:nvGrpSpPr>
+        <p:cNvPr id="1" name=""/>
+        <p:cNvGrpSpPr/>
+        <p:nvPr/>
+      </p:nvGrpSpPr>
+      <p:grpSpPr>
+        <a:xfrm>
+          <a:off x="0" y="0"/>
+          <a:ext cx="0" cy="0"/>
+          <a:chOff x="0" y="0"/>
+          <a:chExt cx="0" cy="0"/>
+        </a:xfrm>
+      </p:grpSpPr>
+      <p:sp>
+        <p:nvSpPr>
+          <p:cNvPr id="2" name="Slide Image Placeholder 1"/>
+          <p:cNvSpPr>
+            <a:spLocks noGrp="1" noRot="1" noChangeAspect="1"/>
+          </p:cNvSpPr>
+          <p:nvPr>
+            <p:ph type="sldImg"/>
+          </p:nvPr>
+        </p:nvSpPr>
+        <p:spPr>
+          <a:xfrm>
+            <a:off x="381000" y="685800"/>
+            <a:ext cx="6096000" cy="3429000"/>
+          </a:xfrm>
+        </p:spPr>
+      </p:sp>
+      <p:sp>
+        <p:nvSpPr>
+          <p:cNvPr id="3" name="Notes Placeholder 2"/>
+          <p:cNvSpPr>
+            <a:spLocks noGrp="1"/>
+          </p:cNvSpPr>
+          <p:nvPr>
+            <p:ph type="body" idx="1"/>
+          </p:nvPr>
+        </p:nvSpPr>
+        <p:spPr/>
+        <p:txBody>
+          <a:bodyPr/>
+          <a:lstStyle/>
+          <a:p>
+            <a:pPr marL="0" marR="0" indent="0" algn="l" defTabSz="914400" rtl="0" eaLnBrk="1" fontAlgn="auto" latinLnBrk="0" hangingPunct="1">
+              <a:lnSpc>
+                <a:spcPct val="100000"/>
+              </a:lnSpc>
+              <a:spcBef>
+                <a:spcPts val="0"/>
+              </a:spcBef>
+              <a:spcAft>
+                <a:spcPts val="0"/>
+              </a:spcAft>
+              <a:buClrTx/>
+              <a:buSzTx/>
+              <a:buFontTx/>
+              <a:buNone/>
+              <a:tabLst/>
+              <a:defRPr/>
+            </a:pPr>
+            <a:endParaRPr lang="en-US" dirty="0"/>
+          </a:p>
+        </p:txBody>
+      </p:sp>
+      <p:sp>
+        <p:nvSpPr>
+          <p:cNvPr id="4" name="Slide Number Placeholder 3"/>
+          <p:cNvSpPr>
+            <a:spLocks noGrp="1"/>
+          </p:cNvSpPr>
+          <p:nvPr>
+            <p:ph type="sldNum" sz="quarter" idx="10"/>
+          </p:nvPr>
+        </p:nvSpPr>
+        <p:spPr/>
+        <p:txBody>
+          <a:bodyPr/>
+          <a:lstStyle/>
+          <a:p>
+            <a:fld id="{7AE90029-A909-AD4E-9775-A0D64990AD22}" type="slidenum">
+              <a:rPr lang="en-US" smtClean="0"/>
+              <a:t>16</a:t>
+            </a:fld>
+            <a:endParaRPr lang="en-US"/>
+          </a:p>
+        </p:txBody>
+      </p:sp>
+    </p:spTree>
+    <p:extLst>
+      <p:ext uri="{BB962C8B-B14F-4D97-AF65-F5344CB8AC3E}">
+        <p14:creationId xmlns:p14="http://schemas.microsoft.com/office/powerpoint/2010/main" val="2578708714"/>
+      </p:ext>
+    </p:extLst>
+  </p:cSld>
+  <p:clrMapOvr>
+    <a:masterClrMapping/>
+  </p:clrMapOvr>
+</p:notes>
+</file>
+
+<file path=ppt/notesSlides/notesSlide16.xml><?xml version="1.0" encoding="utf-8"?>
+<p:notes xmlns:a="http://schemas.openxmlformats.org/drawingml/2006/main" xmlns:r="http://schemas.openxmlformats.org/officeDocument/2006/relationships" xmlns:p="http://schemas.openxmlformats.org/presentationml/2006/main">
+  <p:cSld>
+    <p:spTree>
+      <p:nvGrpSpPr>
+        <p:cNvPr id="1" name=""/>
+        <p:cNvGrpSpPr/>
+        <p:nvPr/>
+      </p:nvGrpSpPr>
+      <p:grpSpPr>
+        <a:xfrm>
+          <a:off x="0" y="0"/>
+          <a:ext cx="0" cy="0"/>
+          <a:chOff x="0" y="0"/>
+          <a:chExt cx="0" cy="0"/>
+        </a:xfrm>
+      </p:grpSpPr>
+      <p:sp>
+        <p:nvSpPr>
+          <p:cNvPr id="2" name="Slide Image Placeholder 1"/>
+          <p:cNvSpPr>
+            <a:spLocks noGrp="1" noRot="1" noChangeAspect="1"/>
+          </p:cNvSpPr>
+          <p:nvPr>
+            <p:ph type="sldImg"/>
+          </p:nvPr>
+        </p:nvSpPr>
+        <p:spPr>
+          <a:xfrm>
+            <a:off x="381000" y="685800"/>
+            <a:ext cx="6096000" cy="3429000"/>
+          </a:xfrm>
+        </p:spPr>
+      </p:sp>
+      <p:sp>
+        <p:nvSpPr>
+          <p:cNvPr id="3" name="Notes Placeholder 2"/>
+          <p:cNvSpPr>
+            <a:spLocks noGrp="1"/>
+          </p:cNvSpPr>
+          <p:nvPr>
+            <p:ph type="body" idx="1"/>
+          </p:nvPr>
+        </p:nvSpPr>
+        <p:spPr/>
+        <p:txBody>
+          <a:bodyPr/>
+          <a:lstStyle/>
+          <a:p>
+            <a:endParaRPr lang="en-US"/>
+          </a:p>
+        </p:txBody>
+      </p:sp>
+      <p:sp>
+        <p:nvSpPr>
+          <p:cNvPr id="4" name="Slide Number Placeholder 3"/>
+          <p:cNvSpPr>
+            <a:spLocks noGrp="1"/>
+          </p:cNvSpPr>
+          <p:nvPr>
+            <p:ph type="sldNum" sz="quarter" idx="10"/>
+          </p:nvPr>
+        </p:nvSpPr>
+        <p:spPr/>
+        <p:txBody>
+          <a:bodyPr/>
+          <a:lstStyle/>
+          <a:p>
+            <a:fld id="{7AE90029-A909-AD4E-9775-A0D64990AD22}" type="slidenum">
+              <a:rPr lang="en-US" smtClean="0"/>
+              <a:t>17</a:t>
+            </a:fld>
+            <a:endParaRPr lang="en-US"/>
+          </a:p>
+        </p:txBody>
+      </p:sp>
+    </p:spTree>
+    <p:extLst>
+      <p:ext uri="{BB962C8B-B14F-4D97-AF65-F5344CB8AC3E}">
+        <p14:creationId xmlns:p14="http://schemas.microsoft.com/office/powerpoint/2010/main" val="1267984952"/>
+      </p:ext>
+    </p:extLst>
+  </p:cSld>
+  <p:clrMapOvr>
+    <a:masterClrMapping/>
+  </p:clrMapOvr>
+</p:notes>
+</file>
+
+<file path=ppt/notesSlides/notesSlide17.xml><?xml version="1.0" encoding="utf-8"?>
 <p:notes xmlns:a="http://schemas.openxmlformats.org/drawingml/2006/main" xmlns:r="http://schemas.openxmlformats.org/officeDocument/2006/relationships" xmlns:p="http://schemas.openxmlformats.org/presentationml/2006/main">
   <p:cSld>
     <p:spTree>
@@ -1547,201 +1740,6 @@
           <a:p>
             <a:fld id="{7AE90029-A909-AD4E-9775-A0D64990AD22}" type="slidenum">
               <a:rPr lang="en-US" smtClean="0"/>
-              <a:t>16</a:t>
-            </a:fld>
-            <a:endParaRPr lang="en-US"/>
-          </a:p>
-        </p:txBody>
-      </p:sp>
-    </p:spTree>
-    <p:extLst>
-      <p:ext uri="{BB962C8B-B14F-4D97-AF65-F5344CB8AC3E}">
-        <p14:creationId xmlns:p14="http://schemas.microsoft.com/office/powerpoint/2010/main" val="3506289928"/>
-      </p:ext>
-    </p:extLst>
-  </p:cSld>
-  <p:clrMapOvr>
-    <a:masterClrMapping/>
-  </p:clrMapOvr>
-</p:notes>
-</file>
-
-<file path=ppt/notesSlides/notesSlide16.xml><?xml version="1.0" encoding="utf-8"?>
-<p:notes xmlns:a="http://schemas.openxmlformats.org/drawingml/2006/main" xmlns:r="http://schemas.openxmlformats.org/officeDocument/2006/relationships" xmlns:p="http://schemas.openxmlformats.org/presentationml/2006/main">
-  <p:cSld>
-    <p:spTree>
-      <p:nvGrpSpPr>
-        <p:cNvPr id="1" name=""/>
-        <p:cNvGrpSpPr/>
-        <p:nvPr/>
-      </p:nvGrpSpPr>
-      <p:grpSpPr>
-        <a:xfrm>
-          <a:off x="0" y="0"/>
-          <a:ext cx="0" cy="0"/>
-          <a:chOff x="0" y="0"/>
-          <a:chExt cx="0" cy="0"/>
-        </a:xfrm>
-      </p:grpSpPr>
-      <p:sp>
-        <p:nvSpPr>
-          <p:cNvPr id="2" name="Slide Image Placeholder 1"/>
-          <p:cNvSpPr>
-            <a:spLocks noGrp="1" noRot="1" noChangeAspect="1"/>
-          </p:cNvSpPr>
-          <p:nvPr>
-            <p:ph type="sldImg"/>
-          </p:nvPr>
-        </p:nvSpPr>
-        <p:spPr>
-          <a:xfrm>
-            <a:off x="381000" y="685800"/>
-            <a:ext cx="6096000" cy="3429000"/>
-          </a:xfrm>
-        </p:spPr>
-      </p:sp>
-      <p:sp>
-        <p:nvSpPr>
-          <p:cNvPr id="3" name="Notes Placeholder 2"/>
-          <p:cNvSpPr>
-            <a:spLocks noGrp="1"/>
-          </p:cNvSpPr>
-          <p:nvPr>
-            <p:ph type="body" idx="1"/>
-          </p:nvPr>
-        </p:nvSpPr>
-        <p:spPr/>
-        <p:txBody>
-          <a:bodyPr/>
-          <a:lstStyle/>
-          <a:p>
-            <a:pPr marL="0" marR="0" indent="0" algn="l" defTabSz="914400" rtl="0" eaLnBrk="1" fontAlgn="auto" latinLnBrk="0" hangingPunct="1">
-              <a:lnSpc>
-                <a:spcPct val="100000"/>
-              </a:lnSpc>
-              <a:spcBef>
-                <a:spcPts val="0"/>
-              </a:spcBef>
-              <a:spcAft>
-                <a:spcPts val="0"/>
-              </a:spcAft>
-              <a:buClrTx/>
-              <a:buSzTx/>
-              <a:buFontTx/>
-              <a:buNone/>
-              <a:tabLst/>
-              <a:defRPr/>
-            </a:pPr>
-            <a:endParaRPr lang="en-US"/>
-          </a:p>
-        </p:txBody>
-      </p:sp>
-      <p:sp>
-        <p:nvSpPr>
-          <p:cNvPr id="4" name="Slide Number Placeholder 3"/>
-          <p:cNvSpPr>
-            <a:spLocks noGrp="1"/>
-          </p:cNvSpPr>
-          <p:nvPr>
-            <p:ph type="sldNum" sz="quarter" idx="10"/>
-          </p:nvPr>
-        </p:nvSpPr>
-        <p:spPr/>
-        <p:txBody>
-          <a:bodyPr/>
-          <a:lstStyle/>
-          <a:p>
-            <a:fld id="{7AE90029-A909-AD4E-9775-A0D64990AD22}" type="slidenum">
-              <a:rPr lang="en-US" smtClean="0"/>
-              <a:t>17</a:t>
-            </a:fld>
-            <a:endParaRPr lang="en-US"/>
-          </a:p>
-        </p:txBody>
-      </p:sp>
-    </p:spTree>
-    <p:extLst>
-      <p:ext uri="{BB962C8B-B14F-4D97-AF65-F5344CB8AC3E}">
-        <p14:creationId xmlns:p14="http://schemas.microsoft.com/office/powerpoint/2010/main" val="2185732678"/>
-      </p:ext>
-    </p:extLst>
-  </p:cSld>
-  <p:clrMapOvr>
-    <a:masterClrMapping/>
-  </p:clrMapOvr>
-</p:notes>
-</file>
-
-<file path=ppt/notesSlides/notesSlide17.xml><?xml version="1.0" encoding="utf-8"?>
-<p:notes xmlns:a="http://schemas.openxmlformats.org/drawingml/2006/main" xmlns:r="http://schemas.openxmlformats.org/officeDocument/2006/relationships" xmlns:p="http://schemas.openxmlformats.org/presentationml/2006/main">
-  <p:cSld>
-    <p:spTree>
-      <p:nvGrpSpPr>
-        <p:cNvPr id="1" name=""/>
-        <p:cNvGrpSpPr/>
-        <p:nvPr/>
-      </p:nvGrpSpPr>
-      <p:grpSpPr>
-        <a:xfrm>
-          <a:off x="0" y="0"/>
-          <a:ext cx="0" cy="0"/>
-          <a:chOff x="0" y="0"/>
-          <a:chExt cx="0" cy="0"/>
-        </a:xfrm>
-      </p:grpSpPr>
-      <p:sp>
-        <p:nvSpPr>
-          <p:cNvPr id="2" name="Slide Image Placeholder 1"/>
-          <p:cNvSpPr>
-            <a:spLocks noGrp="1" noRot="1" noChangeAspect="1"/>
-          </p:cNvSpPr>
-          <p:nvPr>
-            <p:ph type="sldImg"/>
-          </p:nvPr>
-        </p:nvSpPr>
-        <p:spPr>
-          <a:xfrm>
-            <a:off x="381000" y="685800"/>
-            <a:ext cx="6096000" cy="3429000"/>
-          </a:xfrm>
-        </p:spPr>
-      </p:sp>
-      <p:sp>
-        <p:nvSpPr>
-          <p:cNvPr id="3" name="Notes Placeholder 2"/>
-          <p:cNvSpPr>
-            <a:spLocks noGrp="1"/>
-          </p:cNvSpPr>
-          <p:nvPr>
-            <p:ph type="body" idx="1"/>
-          </p:nvPr>
-        </p:nvSpPr>
-        <p:spPr/>
-        <p:txBody>
-          <a:bodyPr/>
-          <a:lstStyle/>
-          <a:p>
-            <a:endParaRPr lang="en-US"/>
-          </a:p>
-        </p:txBody>
-      </p:sp>
-      <p:sp>
-        <p:nvSpPr>
-          <p:cNvPr id="4" name="Slide Number Placeholder 3"/>
-          <p:cNvSpPr>
-            <a:spLocks noGrp="1"/>
-          </p:cNvSpPr>
-          <p:nvPr>
-            <p:ph type="sldNum" sz="quarter" idx="10"/>
-          </p:nvPr>
-        </p:nvSpPr>
-        <p:spPr/>
-        <p:txBody>
-          <a:bodyPr/>
-          <a:lstStyle/>
-          <a:p>
-            <a:fld id="{7AE90029-A909-AD4E-9775-A0D64990AD22}" type="slidenum">
-              <a:rPr lang="en-US" smtClean="0"/>
               <a:t>18</a:t>
             </a:fld>
             <a:endParaRPr lang="en-US"/>
@@ -1751,7 +1749,7 @@
     </p:spTree>
     <p:extLst>
       <p:ext uri="{BB962C8B-B14F-4D97-AF65-F5344CB8AC3E}">
-        <p14:creationId xmlns:p14="http://schemas.microsoft.com/office/powerpoint/2010/main" val="1267984952"/>
+        <p14:creationId xmlns:p14="http://schemas.microsoft.com/office/powerpoint/2010/main" val="2383730169"/>
       </p:ext>
     </p:extLst>
   </p:cSld>
@@ -1857,7 +1855,7 @@
     </p:spTree>
     <p:extLst>
       <p:ext uri="{BB962C8B-B14F-4D97-AF65-F5344CB8AC3E}">
-        <p14:creationId xmlns:p14="http://schemas.microsoft.com/office/powerpoint/2010/main" val="2383730169"/>
+        <p14:creationId xmlns:p14="http://schemas.microsoft.com/office/powerpoint/2010/main" val="1374999897"/>
       </p:ext>
     </p:extLst>
   </p:cSld>
@@ -1963,7 +1961,7 @@
     </p:spTree>
     <p:extLst>
       <p:ext uri="{BB962C8B-B14F-4D97-AF65-F5344CB8AC3E}">
-        <p14:creationId xmlns:p14="http://schemas.microsoft.com/office/powerpoint/2010/main" val="1374999897"/>
+        <p14:creationId xmlns:p14="http://schemas.microsoft.com/office/powerpoint/2010/main" val="3074534214"/>
       </p:ext>
     </p:extLst>
   </p:cSld>
@@ -2158,7 +2156,7 @@
     </p:spTree>
     <p:extLst>
       <p:ext uri="{BB962C8B-B14F-4D97-AF65-F5344CB8AC3E}">
-        <p14:creationId xmlns:p14="http://schemas.microsoft.com/office/powerpoint/2010/main" val="3074534214"/>
+        <p14:creationId xmlns:p14="http://schemas.microsoft.com/office/powerpoint/2010/main" val="2724520646"/>
       </p:ext>
     </p:extLst>
   </p:cSld>
@@ -2264,7 +2262,7 @@
     </p:spTree>
     <p:extLst>
       <p:ext uri="{BB962C8B-B14F-4D97-AF65-F5344CB8AC3E}">
-        <p14:creationId xmlns:p14="http://schemas.microsoft.com/office/powerpoint/2010/main" val="2724520646"/>
+        <p14:creationId xmlns:p14="http://schemas.microsoft.com/office/powerpoint/2010/main" val="2772455405"/>
       </p:ext>
     </p:extLst>
   </p:cSld>
@@ -2370,7 +2368,7 @@
     </p:spTree>
     <p:extLst>
       <p:ext uri="{BB962C8B-B14F-4D97-AF65-F5344CB8AC3E}">
-        <p14:creationId xmlns:p14="http://schemas.microsoft.com/office/powerpoint/2010/main" val="2772455405"/>
+        <p14:creationId xmlns:p14="http://schemas.microsoft.com/office/powerpoint/2010/main" val="246476387"/>
       </p:ext>
     </p:extLst>
   </p:cSld>
@@ -2446,7 +2444,7 @@
               <a:tabLst/>
               <a:defRPr/>
             </a:pPr>
-            <a:endParaRPr lang="en-US"/>
+            <a:endParaRPr lang="en-US" dirty="0"/>
           </a:p>
         </p:txBody>
       </p:sp>
@@ -2476,7 +2474,7 @@
     </p:spTree>
     <p:extLst>
       <p:ext uri="{BB962C8B-B14F-4D97-AF65-F5344CB8AC3E}">
-        <p14:creationId xmlns:p14="http://schemas.microsoft.com/office/powerpoint/2010/main" val="246476387"/>
+        <p14:creationId xmlns:p14="http://schemas.microsoft.com/office/powerpoint/2010/main" val="2452564032"/>
       </p:ext>
     </p:extLst>
   </p:cSld>
@@ -2582,7 +2580,7 @@
     </p:spTree>
     <p:extLst>
       <p:ext uri="{BB962C8B-B14F-4D97-AF65-F5344CB8AC3E}">
-        <p14:creationId xmlns:p14="http://schemas.microsoft.com/office/powerpoint/2010/main" val="2452564032"/>
+        <p14:creationId xmlns:p14="http://schemas.microsoft.com/office/powerpoint/2010/main" val="2841492587"/>
       </p:ext>
     </p:extLst>
   </p:cSld>
@@ -2688,7 +2686,7 @@
     </p:spTree>
     <p:extLst>
       <p:ext uri="{BB962C8B-B14F-4D97-AF65-F5344CB8AC3E}">
-        <p14:creationId xmlns:p14="http://schemas.microsoft.com/office/powerpoint/2010/main" val="2841492587"/>
+        <p14:creationId xmlns:p14="http://schemas.microsoft.com/office/powerpoint/2010/main" val="1744706755"/>
       </p:ext>
     </p:extLst>
   </p:cSld>
@@ -2747,24 +2745,7 @@
           <a:bodyPr/>
           <a:lstStyle/>
           <a:p>
-            <a:pPr marL="0" marR="0" indent="0" algn="l" defTabSz="914400" rtl="0" eaLnBrk="1" fontAlgn="auto" latinLnBrk="0" hangingPunct="1">
-              <a:lnSpc>
-                <a:spcPct val="100000"/>
-              </a:lnSpc>
-              <a:spcBef>
-                <a:spcPts val="0"/>
-              </a:spcBef>
-              <a:spcAft>
-                <a:spcPts val="0"/>
-              </a:spcAft>
-              <a:buClrTx/>
-              <a:buSzTx/>
-              <a:buFontTx/>
-              <a:buNone/>
-              <a:tabLst/>
-              <a:defRPr/>
-            </a:pPr>
-            <a:endParaRPr lang="en-US" dirty="0"/>
+            <a:endParaRPr lang="en-US"/>
           </a:p>
         </p:txBody>
       </p:sp>
@@ -2794,7 +2775,7 @@
     </p:spTree>
     <p:extLst>
       <p:ext uri="{BB962C8B-B14F-4D97-AF65-F5344CB8AC3E}">
-        <p14:creationId xmlns:p14="http://schemas.microsoft.com/office/powerpoint/2010/main" val="1744706755"/>
+        <p14:creationId xmlns:p14="http://schemas.microsoft.com/office/powerpoint/2010/main" val="983030013"/>
       </p:ext>
     </p:extLst>
   </p:cSld>
@@ -2883,202 +2864,7 @@
     </p:spTree>
     <p:extLst>
       <p:ext uri="{BB962C8B-B14F-4D97-AF65-F5344CB8AC3E}">
-        <p14:creationId xmlns:p14="http://schemas.microsoft.com/office/powerpoint/2010/main" val="983030013"/>
-      </p:ext>
-    </p:extLst>
-  </p:cSld>
-  <p:clrMapOvr>
-    <a:masterClrMapping/>
-  </p:clrMapOvr>
-</p:notes>
-</file>
-
-<file path=ppt/notesSlides/notesSlide28.xml><?xml version="1.0" encoding="utf-8"?>
-<p:notes xmlns:a="http://schemas.openxmlformats.org/drawingml/2006/main" xmlns:r="http://schemas.openxmlformats.org/officeDocument/2006/relationships" xmlns:p="http://schemas.openxmlformats.org/presentationml/2006/main">
-  <p:cSld>
-    <p:spTree>
-      <p:nvGrpSpPr>
-        <p:cNvPr id="1" name=""/>
-        <p:cNvGrpSpPr/>
-        <p:nvPr/>
-      </p:nvGrpSpPr>
-      <p:grpSpPr>
-        <a:xfrm>
-          <a:off x="0" y="0"/>
-          <a:ext cx="0" cy="0"/>
-          <a:chOff x="0" y="0"/>
-          <a:chExt cx="0" cy="0"/>
-        </a:xfrm>
-      </p:grpSpPr>
-      <p:sp>
-        <p:nvSpPr>
-          <p:cNvPr id="2" name="Slide Image Placeholder 1"/>
-          <p:cNvSpPr>
-            <a:spLocks noGrp="1" noRot="1" noChangeAspect="1"/>
-          </p:cNvSpPr>
-          <p:nvPr>
-            <p:ph type="sldImg"/>
-          </p:nvPr>
-        </p:nvSpPr>
-        <p:spPr>
-          <a:xfrm>
-            <a:off x="381000" y="685800"/>
-            <a:ext cx="6096000" cy="3429000"/>
-          </a:xfrm>
-        </p:spPr>
-      </p:sp>
-      <p:sp>
-        <p:nvSpPr>
-          <p:cNvPr id="3" name="Notes Placeholder 2"/>
-          <p:cNvSpPr>
-            <a:spLocks noGrp="1"/>
-          </p:cNvSpPr>
-          <p:nvPr>
-            <p:ph type="body" idx="1"/>
-          </p:nvPr>
-        </p:nvSpPr>
-        <p:spPr/>
-        <p:txBody>
-          <a:bodyPr/>
-          <a:lstStyle/>
-          <a:p>
-            <a:endParaRPr lang="en-US"/>
-          </a:p>
-        </p:txBody>
-      </p:sp>
-      <p:sp>
-        <p:nvSpPr>
-          <p:cNvPr id="4" name="Slide Number Placeholder 3"/>
-          <p:cNvSpPr>
-            <a:spLocks noGrp="1"/>
-          </p:cNvSpPr>
-          <p:nvPr>
-            <p:ph type="sldNum" sz="quarter" idx="10"/>
-          </p:nvPr>
-        </p:nvSpPr>
-        <p:spPr/>
-        <p:txBody>
-          <a:bodyPr/>
-          <a:lstStyle/>
-          <a:p>
-            <a:fld id="{7AE90029-A909-AD4E-9775-A0D64990AD22}" type="slidenum">
-              <a:rPr lang="en-US" smtClean="0"/>
-              <a:t>29</a:t>
-            </a:fld>
-            <a:endParaRPr lang="en-US"/>
-          </a:p>
-        </p:txBody>
-      </p:sp>
-    </p:spTree>
-    <p:extLst>
-      <p:ext uri="{BB962C8B-B14F-4D97-AF65-F5344CB8AC3E}">
         <p14:creationId xmlns:p14="http://schemas.microsoft.com/office/powerpoint/2010/main" val="362112805"/>
-      </p:ext>
-    </p:extLst>
-  </p:cSld>
-  <p:clrMapOvr>
-    <a:masterClrMapping/>
-  </p:clrMapOvr>
-</p:notes>
-</file>
-
-<file path=ppt/notesSlides/notesSlide29.xml><?xml version="1.0" encoding="utf-8"?>
-<p:notes xmlns:a="http://schemas.openxmlformats.org/drawingml/2006/main" xmlns:r="http://schemas.openxmlformats.org/officeDocument/2006/relationships" xmlns:p="http://schemas.openxmlformats.org/presentationml/2006/main">
-  <p:cSld>
-    <p:spTree>
-      <p:nvGrpSpPr>
-        <p:cNvPr id="1" name=""/>
-        <p:cNvGrpSpPr/>
-        <p:nvPr/>
-      </p:nvGrpSpPr>
-      <p:grpSpPr>
-        <a:xfrm>
-          <a:off x="0" y="0"/>
-          <a:ext cx="0" cy="0"/>
-          <a:chOff x="0" y="0"/>
-          <a:chExt cx="0" cy="0"/>
-        </a:xfrm>
-      </p:grpSpPr>
-      <p:sp>
-        <p:nvSpPr>
-          <p:cNvPr id="2" name="Slide Image Placeholder 1"/>
-          <p:cNvSpPr>
-            <a:spLocks noGrp="1" noRot="1" noChangeAspect="1"/>
-          </p:cNvSpPr>
-          <p:nvPr>
-            <p:ph type="sldImg"/>
-          </p:nvPr>
-        </p:nvSpPr>
-        <p:spPr>
-          <a:xfrm>
-            <a:off x="381000" y="685800"/>
-            <a:ext cx="6096000" cy="3429000"/>
-          </a:xfrm>
-        </p:spPr>
-      </p:sp>
-      <p:sp>
-        <p:nvSpPr>
-          <p:cNvPr id="3" name="Notes Placeholder 2"/>
-          <p:cNvSpPr>
-            <a:spLocks noGrp="1"/>
-          </p:cNvSpPr>
-          <p:nvPr>
-            <p:ph type="body" idx="1"/>
-          </p:nvPr>
-        </p:nvSpPr>
-        <p:spPr/>
-        <p:txBody>
-          <a:bodyPr/>
-          <a:lstStyle/>
-          <a:p>
-            <a:pPr marL="0" marR="0" indent="0" algn="l" defTabSz="914400" rtl="0" eaLnBrk="1" fontAlgn="auto" latinLnBrk="0" hangingPunct="1">
-              <a:lnSpc>
-                <a:spcPct val="100000"/>
-              </a:lnSpc>
-              <a:spcBef>
-                <a:spcPts val="0"/>
-              </a:spcBef>
-              <a:spcAft>
-                <a:spcPts val="0"/>
-              </a:spcAft>
-              <a:buClrTx/>
-              <a:buSzTx/>
-              <a:buFontTx/>
-              <a:buNone/>
-              <a:tabLst/>
-              <a:defRPr/>
-            </a:pPr>
-            <a:endParaRPr lang="en-US"/>
-          </a:p>
-        </p:txBody>
-      </p:sp>
-      <p:sp>
-        <p:nvSpPr>
-          <p:cNvPr id="4" name="Slide Number Placeholder 3"/>
-          <p:cNvSpPr>
-            <a:spLocks noGrp="1"/>
-          </p:cNvSpPr>
-          <p:nvPr>
-            <p:ph type="sldNum" sz="quarter" idx="10"/>
-          </p:nvPr>
-        </p:nvSpPr>
-        <p:spPr/>
-        <p:txBody>
-          <a:bodyPr/>
-          <a:lstStyle/>
-          <a:p>
-            <a:fld id="{7AE90029-A909-AD4E-9775-A0D64990AD22}" type="slidenum">
-              <a:rPr lang="en-US" smtClean="0"/>
-              <a:t>30</a:t>
-            </a:fld>
-            <a:endParaRPr lang="en-US"/>
-          </a:p>
-        </p:txBody>
-      </p:sp>
-    </p:spTree>
-    <p:extLst>
-      <p:ext uri="{BB962C8B-B14F-4D97-AF65-F5344CB8AC3E}">
-        <p14:creationId xmlns:p14="http://schemas.microsoft.com/office/powerpoint/2010/main" val="2828328416"/>
       </p:ext>
     </p:extLst>
   </p:cSld>
@@ -3788,7 +3574,7 @@
     </p:spTree>
     <p:extLst>
       <p:ext uri="{BB962C8B-B14F-4D97-AF65-F5344CB8AC3E}">
-        <p14:creationId xmlns:p14="http://schemas.microsoft.com/office/powerpoint/2010/main" val="2447327001"/>
+        <p14:creationId xmlns:p14="http://schemas.microsoft.com/office/powerpoint/2010/main" val="2050670300"/>
       </p:ext>
     </p:extLst>
   </p:cSld>
@@ -24884,253 +24670,6 @@
           <a:chExt cx="0" cy="0"/>
         </a:xfrm>
       </p:grpSpPr>
-      <p:pic>
-        <p:nvPicPr>
-          <p:cNvPr id="1026" name="Picture 2" descr="http://www.analyticsvidhya.com/blog/wp-content/uploads/2014/11/DBs-table1.png"/>
-          <p:cNvPicPr>
-            <a:picLocks noChangeAspect="1" noChangeArrowheads="1"/>
-          </p:cNvPicPr>
-          <p:nvPr/>
-        </p:nvPicPr>
-        <p:blipFill>
-          <a:blip r:embed="rId3">
-            <a:extLst>
-              <a:ext uri="{28A0092B-C50C-407E-A947-70E740481C1C}">
-                <a14:useLocalDpi xmlns:a14="http://schemas.microsoft.com/office/drawing/2010/main" val="0"/>
-              </a:ext>
-            </a:extLst>
-          </a:blip>
-          <a:srcRect/>
-          <a:stretch>
-            <a:fillRect/>
-          </a:stretch>
-        </p:blipFill>
-        <p:spPr bwMode="auto">
-          <a:xfrm>
-            <a:off x="1402608" y="757237"/>
-            <a:ext cx="6019077" cy="4042665"/>
-          </a:xfrm>
-          <a:prstGeom prst="rect">
-            <a:avLst/>
-          </a:prstGeom>
-          <a:noFill/>
-          <a:extLst>
-            <a:ext uri="{909E8E84-426E-40DD-AFC4-6F175D3DCCD1}">
-              <a14:hiddenFill xmlns:a14="http://schemas.microsoft.com/office/drawing/2010/main">
-                <a:solidFill>
-                  <a:srgbClr val="FFFFFF"/>
-                </a:solidFill>
-              </a14:hiddenFill>
-            </a:ext>
-          </a:extLst>
-        </p:spPr>
-      </p:pic>
-      <p:sp>
-        <p:nvSpPr>
-          <p:cNvPr id="5" name="Title 4">
-            <a:extLst>
-              <a:ext uri="{FF2B5EF4-FFF2-40B4-BE49-F238E27FC236}">
-                <a16:creationId xmlns:a16="http://schemas.microsoft.com/office/drawing/2014/main" id="{C1054730-78B8-4C78-A813-29B6720F9E06}"/>
-              </a:ext>
-            </a:extLst>
-          </p:cNvPr>
-          <p:cNvSpPr>
-            <a:spLocks noGrp="1"/>
-          </p:cNvSpPr>
-          <p:nvPr>
-            <p:ph type="title"/>
-          </p:nvPr>
-        </p:nvSpPr>
-        <p:spPr/>
-        <p:txBody>
-          <a:bodyPr/>
-          <a:lstStyle/>
-          <a:p>
-            <a:r>
-              <a:rPr lang="en-US" dirty="0"/>
-              <a:t>Database evolution</a:t>
-            </a:r>
-          </a:p>
-        </p:txBody>
-      </p:sp>
-      <p:sp>
-        <p:nvSpPr>
-          <p:cNvPr id="2" name="Slide Number Placeholder 1">
-            <a:extLst>
-              <a:ext uri="{FF2B5EF4-FFF2-40B4-BE49-F238E27FC236}">
-                <a16:creationId xmlns:a16="http://schemas.microsoft.com/office/drawing/2014/main" id="{CD82AC3E-E7D4-4AE6-B49E-428BC4E7FB1F}"/>
-              </a:ext>
-            </a:extLst>
-          </p:cNvPr>
-          <p:cNvSpPr>
-            <a:spLocks noGrp="1"/>
-          </p:cNvSpPr>
-          <p:nvPr>
-            <p:ph type="sldNum" sz="quarter" idx="4"/>
-          </p:nvPr>
-        </p:nvSpPr>
-        <p:spPr/>
-        <p:txBody>
-          <a:bodyPr/>
-          <a:lstStyle/>
-          <a:p>
-            <a:fld id="{3A707DD9-E92B-45E8-BE0A-E6B2EDF345EB}" type="slidenum">
-              <a:rPr lang="en-US" smtClean="0"/>
-              <a:pPr/>
-              <a:t>10</a:t>
-            </a:fld>
-            <a:endParaRPr lang="en-US" dirty="0"/>
-          </a:p>
-        </p:txBody>
-      </p:sp>
-    </p:spTree>
-    <p:extLst>
-      <p:ext uri="{BB962C8B-B14F-4D97-AF65-F5344CB8AC3E}">
-        <p14:creationId xmlns:p14="http://schemas.microsoft.com/office/powerpoint/2010/main" val="1451155919"/>
-      </p:ext>
-    </p:extLst>
-  </p:cSld>
-  <p:clrMapOvr>
-    <a:masterClrMapping/>
-  </p:clrMapOvr>
-</p:sld>
-</file>
-
-<file path=ppt/slides/slide11.xml><?xml version="1.0" encoding="utf-8"?>
-<p:sld xmlns:a="http://schemas.openxmlformats.org/drawingml/2006/main" xmlns:r="http://schemas.openxmlformats.org/officeDocument/2006/relationships" xmlns:p="http://schemas.openxmlformats.org/presentationml/2006/main">
-  <p:cSld>
-    <p:spTree>
-      <p:nvGrpSpPr>
-        <p:cNvPr id="1" name=""/>
-        <p:cNvGrpSpPr/>
-        <p:nvPr/>
-      </p:nvGrpSpPr>
-      <p:grpSpPr>
-        <a:xfrm>
-          <a:off x="0" y="0"/>
-          <a:ext cx="0" cy="0"/>
-          <a:chOff x="0" y="0"/>
-          <a:chExt cx="0" cy="0"/>
-        </a:xfrm>
-      </p:grpSpPr>
-      <p:sp>
-        <p:nvSpPr>
-          <p:cNvPr id="4" name="Title 3">
-            <a:extLst>
-              <a:ext uri="{FF2B5EF4-FFF2-40B4-BE49-F238E27FC236}">
-                <a16:creationId xmlns:a16="http://schemas.microsoft.com/office/drawing/2014/main" id="{8B3859ED-5287-4A58-8F1C-4023FBD23313}"/>
-              </a:ext>
-            </a:extLst>
-          </p:cNvPr>
-          <p:cNvSpPr>
-            <a:spLocks noGrp="1"/>
-          </p:cNvSpPr>
-          <p:nvPr>
-            <p:ph type="title"/>
-          </p:nvPr>
-        </p:nvSpPr>
-        <p:spPr/>
-        <p:txBody>
-          <a:bodyPr/>
-          <a:lstStyle/>
-          <a:p>
-            <a:r>
-              <a:rPr lang="en-US" dirty="0"/>
-              <a:t>Database evolution</a:t>
-            </a:r>
-          </a:p>
-        </p:txBody>
-      </p:sp>
-      <p:pic>
-        <p:nvPicPr>
-          <p:cNvPr id="3" name="Picture 2">
-            <a:extLst>
-              <a:ext uri="{FF2B5EF4-FFF2-40B4-BE49-F238E27FC236}">
-                <a16:creationId xmlns:a16="http://schemas.microsoft.com/office/drawing/2014/main" id="{9A9F54F2-ED8F-40B9-B654-52AE6C656B6C}"/>
-              </a:ext>
-            </a:extLst>
-          </p:cNvPr>
-          <p:cNvPicPr>
-            <a:picLocks noChangeAspect="1"/>
-          </p:cNvPicPr>
-          <p:nvPr/>
-        </p:nvPicPr>
-        <p:blipFill>
-          <a:blip r:embed="rId3"/>
-          <a:stretch>
-            <a:fillRect/>
-          </a:stretch>
-        </p:blipFill>
-        <p:spPr>
-          <a:xfrm>
-            <a:off x="420914" y="728544"/>
-            <a:ext cx="8302172" cy="4041709"/>
-          </a:xfrm>
-          <a:prstGeom prst="rect">
-            <a:avLst/>
-          </a:prstGeom>
-        </p:spPr>
-      </p:pic>
-      <p:sp>
-        <p:nvSpPr>
-          <p:cNvPr id="2" name="Slide Number Placeholder 1">
-            <a:extLst>
-              <a:ext uri="{FF2B5EF4-FFF2-40B4-BE49-F238E27FC236}">
-                <a16:creationId xmlns:a16="http://schemas.microsoft.com/office/drawing/2014/main" id="{6976D987-1BD8-4895-B8C7-430048901F63}"/>
-              </a:ext>
-            </a:extLst>
-          </p:cNvPr>
-          <p:cNvSpPr>
-            <a:spLocks noGrp="1"/>
-          </p:cNvSpPr>
-          <p:nvPr>
-            <p:ph type="sldNum" sz="quarter" idx="4"/>
-          </p:nvPr>
-        </p:nvSpPr>
-        <p:spPr/>
-        <p:txBody>
-          <a:bodyPr/>
-          <a:lstStyle/>
-          <a:p>
-            <a:fld id="{3A707DD9-E92B-45E8-BE0A-E6B2EDF345EB}" type="slidenum">
-              <a:rPr lang="en-US" smtClean="0"/>
-              <a:pPr/>
-              <a:t>11</a:t>
-            </a:fld>
-            <a:endParaRPr lang="en-US" dirty="0"/>
-          </a:p>
-        </p:txBody>
-      </p:sp>
-    </p:spTree>
-    <p:extLst>
-      <p:ext uri="{BB962C8B-B14F-4D97-AF65-F5344CB8AC3E}">
-        <p14:creationId xmlns:p14="http://schemas.microsoft.com/office/powerpoint/2010/main" val="321311984"/>
-      </p:ext>
-    </p:extLst>
-  </p:cSld>
-  <p:clrMapOvr>
-    <a:masterClrMapping/>
-  </p:clrMapOvr>
-</p:sld>
-</file>
-
-<file path=ppt/slides/slide12.xml><?xml version="1.0" encoding="utf-8"?>
-<p:sld xmlns:a="http://schemas.openxmlformats.org/drawingml/2006/main" xmlns:r="http://schemas.openxmlformats.org/officeDocument/2006/relationships" xmlns:p="http://schemas.openxmlformats.org/presentationml/2006/main">
-  <p:cSld>
-    <p:spTree>
-      <p:nvGrpSpPr>
-        <p:cNvPr id="1" name=""/>
-        <p:cNvGrpSpPr/>
-        <p:nvPr/>
-      </p:nvGrpSpPr>
-      <p:grpSpPr>
-        <a:xfrm>
-          <a:off x="0" y="0"/>
-          <a:ext cx="0" cy="0"/>
-          <a:chOff x="0" y="0"/>
-          <a:chExt cx="0" cy="0"/>
-        </a:xfrm>
-      </p:grpSpPr>
       <p:sp>
         <p:nvSpPr>
           <p:cNvPr id="5" name="Title 4">
@@ -25272,7 +24811,7 @@
                   <a:spcPts val="600"/>
                 </a:spcAft>
               </a:pPr>
-              <a:t>12</a:t>
+              <a:t>10</a:t>
             </a:fld>
             <a:endParaRPr lang="en-US"/>
           </a:p>
@@ -25291,7 +24830,7 @@
 </p:sld>
 </file>
 
-<file path=ppt/slides/slide13.xml><?xml version="1.0" encoding="utf-8"?>
+<file path=ppt/slides/slide11.xml><?xml version="1.0" encoding="utf-8"?>
 <p:sld xmlns:a="http://schemas.openxmlformats.org/drawingml/2006/main" xmlns:r="http://schemas.openxmlformats.org/officeDocument/2006/relationships" xmlns:p="http://schemas.openxmlformats.org/presentationml/2006/main">
   <p:cSld>
     <p:spTree>
@@ -25447,7 +24986,7 @@
             <a:fld id="{3A707DD9-E92B-45E8-BE0A-E6B2EDF345EB}" type="slidenum">
               <a:rPr lang="en-US" smtClean="0"/>
               <a:pPr/>
-              <a:t>13</a:t>
+              <a:t>11</a:t>
             </a:fld>
             <a:endParaRPr lang="en-US" dirty="0"/>
           </a:p>
@@ -25466,7 +25005,7 @@
 </p:sld>
 </file>
 
-<file path=ppt/slides/slide14.xml><?xml version="1.0" encoding="utf-8"?>
+<file path=ppt/slides/slide12.xml><?xml version="1.0" encoding="utf-8"?>
 <p:sld xmlns:a="http://schemas.openxmlformats.org/drawingml/2006/main" xmlns:r="http://schemas.openxmlformats.org/officeDocument/2006/relationships" xmlns:p="http://schemas.openxmlformats.org/presentationml/2006/main">
   <p:cSld>
     <p:spTree>
@@ -25622,7 +25161,7 @@
             <a:fld id="{3A707DD9-E92B-45E8-BE0A-E6B2EDF345EB}" type="slidenum">
               <a:rPr lang="en-US" smtClean="0"/>
               <a:pPr/>
-              <a:t>14</a:t>
+              <a:t>12</a:t>
             </a:fld>
             <a:endParaRPr lang="en-US" dirty="0"/>
           </a:p>
@@ -25641,7 +25180,7 @@
 </p:sld>
 </file>
 
-<file path=ppt/slides/slide15.xml><?xml version="1.0" encoding="utf-8"?>
+<file path=ppt/slides/slide13.xml><?xml version="1.0" encoding="utf-8"?>
 <p:sld xmlns:a="http://schemas.openxmlformats.org/drawingml/2006/main" xmlns:r="http://schemas.openxmlformats.org/officeDocument/2006/relationships" xmlns:p="http://schemas.openxmlformats.org/presentationml/2006/main">
   <p:cSld>
     <p:spTree>
@@ -25799,7 +25338,7 @@
                   <a:spcPts val="600"/>
                 </a:spcAft>
               </a:pPr>
-              <a:t>15</a:t>
+              <a:t>13</a:t>
             </a:fld>
             <a:endParaRPr lang="en-US"/>
           </a:p>
@@ -25818,7 +25357,7 @@
 </p:sld>
 </file>
 
-<file path=ppt/slides/slide16.xml><?xml version="1.0" encoding="utf-8"?>
+<file path=ppt/slides/slide14.xml><?xml version="1.0" encoding="utf-8"?>
 <p:sld xmlns:a="http://schemas.openxmlformats.org/drawingml/2006/main" xmlns:r="http://schemas.openxmlformats.org/officeDocument/2006/relationships" xmlns:p="http://schemas.openxmlformats.org/presentationml/2006/main">
   <p:cSld>
     <p:spTree>
@@ -25956,7 +25495,7 @@
             <a:fld id="{3A707DD9-E92B-45E8-BE0A-E6B2EDF345EB}" type="slidenum">
               <a:rPr lang="en-US" smtClean="0"/>
               <a:pPr/>
-              <a:t>16</a:t>
+              <a:t>14</a:t>
             </a:fld>
             <a:endParaRPr lang="en-US" dirty="0"/>
           </a:p>
@@ -25975,7 +25514,7 @@
 </p:sld>
 </file>
 
-<file path=ppt/slides/slide17.xml><?xml version="1.0" encoding="utf-8"?>
+<file path=ppt/slides/slide15.xml><?xml version="1.0" encoding="utf-8"?>
 <p:sld xmlns:a="http://schemas.openxmlformats.org/drawingml/2006/main" xmlns:r="http://schemas.openxmlformats.org/officeDocument/2006/relationships" xmlns:p="http://schemas.openxmlformats.org/presentationml/2006/main">
   <p:cSld>
     <p:spTree>
@@ -26131,7 +25670,7 @@
                   <a:spcPts val="600"/>
                 </a:spcAft>
               </a:pPr>
-              <a:t>17</a:t>
+              <a:t>15</a:t>
             </a:fld>
             <a:endParaRPr lang="en-US"/>
           </a:p>
@@ -26150,7 +25689,125 @@
 </p:sld>
 </file>
 
-<file path=ppt/slides/slide18.xml><?xml version="1.0" encoding="utf-8"?>
+<file path=ppt/slides/slide16.xml><?xml version="1.0" encoding="utf-8"?>
+<p:sld xmlns:a="http://schemas.openxmlformats.org/drawingml/2006/main" xmlns:r="http://schemas.openxmlformats.org/officeDocument/2006/relationships" xmlns:p="http://schemas.openxmlformats.org/presentationml/2006/main">
+  <p:cSld>
+    <p:spTree>
+      <p:nvGrpSpPr>
+        <p:cNvPr id="1" name=""/>
+        <p:cNvGrpSpPr/>
+        <p:nvPr/>
+      </p:nvGrpSpPr>
+      <p:grpSpPr>
+        <a:xfrm>
+          <a:off x="0" y="0"/>
+          <a:ext cx="0" cy="0"/>
+          <a:chOff x="0" y="0"/>
+          <a:chExt cx="0" cy="0"/>
+        </a:xfrm>
+      </p:grpSpPr>
+      <p:sp>
+        <p:nvSpPr>
+          <p:cNvPr id="4" name="Title 3">
+            <a:extLst>
+              <a:ext uri="{FF2B5EF4-FFF2-40B4-BE49-F238E27FC236}">
+                <a16:creationId xmlns:a16="http://schemas.microsoft.com/office/drawing/2014/main" id="{8B3859ED-5287-4A58-8F1C-4023FBD23313}"/>
+              </a:ext>
+            </a:extLst>
+          </p:cNvPr>
+          <p:cNvSpPr>
+            <a:spLocks noGrp="1"/>
+          </p:cNvSpPr>
+          <p:nvPr>
+            <p:ph type="title"/>
+          </p:nvPr>
+        </p:nvSpPr>
+        <p:spPr/>
+        <p:txBody>
+          <a:bodyPr/>
+          <a:lstStyle/>
+          <a:p>
+            <a:r>
+              <a:rPr lang="en-US" dirty="0"/>
+              <a:t>Database evolution</a:t>
+            </a:r>
+          </a:p>
+        </p:txBody>
+      </p:sp>
+      <p:pic>
+        <p:nvPicPr>
+          <p:cNvPr id="3" name="Picture 2">
+            <a:extLst>
+              <a:ext uri="{FF2B5EF4-FFF2-40B4-BE49-F238E27FC236}">
+                <a16:creationId xmlns:a16="http://schemas.microsoft.com/office/drawing/2014/main" id="{9A9F54F2-ED8F-40B9-B654-52AE6C656B6C}"/>
+              </a:ext>
+            </a:extLst>
+          </p:cNvPr>
+          <p:cNvPicPr>
+            <a:picLocks noChangeAspect="1"/>
+          </p:cNvPicPr>
+          <p:nvPr/>
+        </p:nvPicPr>
+        <p:blipFill>
+          <a:blip r:embed="rId3"/>
+          <a:stretch>
+            <a:fillRect/>
+          </a:stretch>
+        </p:blipFill>
+        <p:spPr>
+          <a:xfrm>
+            <a:off x="420914" y="728544"/>
+            <a:ext cx="8302172" cy="4041709"/>
+          </a:xfrm>
+          <a:prstGeom prst="rect">
+            <a:avLst/>
+          </a:prstGeom>
+        </p:spPr>
+      </p:pic>
+      <p:sp>
+        <p:nvSpPr>
+          <p:cNvPr id="2" name="Slide Number Placeholder 1">
+            <a:extLst>
+              <a:ext uri="{FF2B5EF4-FFF2-40B4-BE49-F238E27FC236}">
+                <a16:creationId xmlns:a16="http://schemas.microsoft.com/office/drawing/2014/main" id="{6976D987-1BD8-4895-B8C7-430048901F63}"/>
+              </a:ext>
+            </a:extLst>
+          </p:cNvPr>
+          <p:cNvSpPr>
+            <a:spLocks noGrp="1"/>
+          </p:cNvSpPr>
+          <p:nvPr>
+            <p:ph type="sldNum" sz="quarter" idx="4"/>
+          </p:nvPr>
+        </p:nvSpPr>
+        <p:spPr/>
+        <p:txBody>
+          <a:bodyPr/>
+          <a:lstStyle/>
+          <a:p>
+            <a:fld id="{3A707DD9-E92B-45E8-BE0A-E6B2EDF345EB}" type="slidenum">
+              <a:rPr lang="en-US" smtClean="0"/>
+              <a:pPr/>
+              <a:t>16</a:t>
+            </a:fld>
+            <a:endParaRPr lang="en-US" dirty="0"/>
+          </a:p>
+        </p:txBody>
+      </p:sp>
+    </p:spTree>
+    <p:extLst>
+      <p:ext uri="{BB962C8B-B14F-4D97-AF65-F5344CB8AC3E}">
+        <p14:creationId xmlns:p14="http://schemas.microsoft.com/office/powerpoint/2010/main" val="321311984"/>
+      </p:ext>
+    </p:extLst>
+  </p:cSld>
+  <p:clrMapOvr>
+    <a:masterClrMapping/>
+  </p:clrMapOvr>
+</p:sld>
+</file>
+
+<file path=ppt/slides/slide17.xml><?xml version="1.0" encoding="utf-8"?>
 <p:sld xmlns:a="http://schemas.openxmlformats.org/drawingml/2006/main" xmlns:r="http://schemas.openxmlformats.org/officeDocument/2006/relationships" xmlns:p="http://schemas.openxmlformats.org/presentationml/2006/main">
   <p:cSld>
     <p:spTree>
@@ -26238,7 +25895,7 @@
 </p:sld>
 </file>
 
-<file path=ppt/slides/slide19.xml><?xml version="1.0" encoding="utf-8"?>
+<file path=ppt/slides/slide18.xml><?xml version="1.0" encoding="utf-8"?>
 <p:sld xmlns:a="http://schemas.openxmlformats.org/drawingml/2006/main" xmlns:r="http://schemas.openxmlformats.org/officeDocument/2006/relationships" xmlns:p="http://schemas.openxmlformats.org/presentationml/2006/main">
   <p:cSld>
     <p:spTree>
@@ -26810,7 +26467,7 @@
             <a:fld id="{3A707DD9-E92B-45E8-BE0A-E6B2EDF345EB}" type="slidenum">
               <a:rPr lang="en-US" smtClean="0"/>
               <a:pPr/>
-              <a:t>19</a:t>
+              <a:t>18</a:t>
             </a:fld>
             <a:endParaRPr lang="en-US" dirty="0"/>
           </a:p>
@@ -26829,412 +26486,7 @@
 </p:sld>
 </file>
 
-<file path=ppt/slides/slide2.xml><?xml version="1.0" encoding="utf-8"?>
-<p:sld xmlns:a="http://schemas.openxmlformats.org/drawingml/2006/main" xmlns:r="http://schemas.openxmlformats.org/officeDocument/2006/relationships" xmlns:p="http://schemas.openxmlformats.org/presentationml/2006/main">
-  <p:cSld>
-    <p:spTree>
-      <p:nvGrpSpPr>
-        <p:cNvPr id="1" name=""/>
-        <p:cNvGrpSpPr/>
-        <p:nvPr/>
-      </p:nvGrpSpPr>
-      <p:grpSpPr>
-        <a:xfrm>
-          <a:off x="0" y="0"/>
-          <a:ext cx="0" cy="0"/>
-          <a:chOff x="0" y="0"/>
-          <a:chExt cx="0" cy="0"/>
-        </a:xfrm>
-      </p:grpSpPr>
-      <p:sp>
-        <p:nvSpPr>
-          <p:cNvPr id="3" name="Title 2"/>
-          <p:cNvSpPr>
-            <a:spLocks noGrp="1"/>
-          </p:cNvSpPr>
-          <p:nvPr>
-            <p:ph type="title"/>
-          </p:nvPr>
-        </p:nvSpPr>
-        <p:spPr/>
-        <p:txBody>
-          <a:bodyPr/>
-          <a:lstStyle/>
-          <a:p>
-            <a:r>
-              <a:rPr lang="en-US" dirty="0"/>
-              <a:t>Agenda</a:t>
-            </a:r>
-          </a:p>
-        </p:txBody>
-      </p:sp>
-      <p:sp>
-        <p:nvSpPr>
-          <p:cNvPr id="5" name="Text Placeholder 4"/>
-          <p:cNvSpPr>
-            <a:spLocks noGrp="1"/>
-          </p:cNvSpPr>
-          <p:nvPr>
-            <p:ph type="body" sz="quarter" idx="12"/>
-          </p:nvPr>
-        </p:nvSpPr>
-        <p:spPr/>
-        <p:txBody>
-          <a:bodyPr/>
-          <a:lstStyle/>
-          <a:p>
-            <a:r>
-              <a:rPr lang="en-US" dirty="0"/>
-              <a:t>1</a:t>
-            </a:r>
-          </a:p>
-        </p:txBody>
-      </p:sp>
-      <p:sp>
-        <p:nvSpPr>
-          <p:cNvPr id="21" name="Text Placeholder 20"/>
-          <p:cNvSpPr>
-            <a:spLocks noGrp="1"/>
-          </p:cNvSpPr>
-          <p:nvPr>
-            <p:ph type="body" sz="quarter" idx="13"/>
-          </p:nvPr>
-        </p:nvSpPr>
-        <p:spPr/>
-        <p:txBody>
-          <a:bodyPr/>
-          <a:lstStyle/>
-          <a:p>
-            <a:r>
-              <a:rPr lang="en-US" dirty="0"/>
-              <a:t>About this course</a:t>
-            </a:r>
-          </a:p>
-        </p:txBody>
-      </p:sp>
-      <p:sp>
-        <p:nvSpPr>
-          <p:cNvPr id="23" name="Text Placeholder 22"/>
-          <p:cNvSpPr>
-            <a:spLocks noGrp="1"/>
-          </p:cNvSpPr>
-          <p:nvPr>
-            <p:ph type="body" sz="quarter" idx="15"/>
-          </p:nvPr>
-        </p:nvSpPr>
-        <p:spPr/>
-        <p:txBody>
-          <a:bodyPr/>
-          <a:lstStyle/>
-          <a:p>
-            <a:r>
-              <a:rPr lang="en-US" dirty="0"/>
-              <a:t>2</a:t>
-            </a:r>
-          </a:p>
-        </p:txBody>
-      </p:sp>
-      <p:sp>
-        <p:nvSpPr>
-          <p:cNvPr id="24" name="Text Placeholder 23"/>
-          <p:cNvSpPr>
-            <a:spLocks noGrp="1"/>
-          </p:cNvSpPr>
-          <p:nvPr>
-            <p:ph type="body" sz="quarter" idx="16"/>
-          </p:nvPr>
-        </p:nvSpPr>
-        <p:spPr/>
-        <p:txBody>
-          <a:bodyPr/>
-          <a:lstStyle/>
-          <a:p>
-            <a:r>
-              <a:rPr lang="en-US" dirty="0"/>
-              <a:t>3</a:t>
-            </a:r>
-          </a:p>
-        </p:txBody>
-      </p:sp>
-      <p:sp>
-        <p:nvSpPr>
-          <p:cNvPr id="25" name="Text Placeholder 24"/>
-          <p:cNvSpPr>
-            <a:spLocks noGrp="1"/>
-          </p:cNvSpPr>
-          <p:nvPr>
-            <p:ph type="body" sz="quarter" idx="17"/>
-          </p:nvPr>
-        </p:nvSpPr>
-        <p:spPr/>
-        <p:txBody>
-          <a:bodyPr/>
-          <a:lstStyle/>
-          <a:p>
-            <a:r>
-              <a:rPr lang="en-US" dirty="0"/>
-              <a:t>4</a:t>
-            </a:r>
-          </a:p>
-        </p:txBody>
-      </p:sp>
-      <p:sp>
-        <p:nvSpPr>
-          <p:cNvPr id="26" name="Text Placeholder 25"/>
-          <p:cNvSpPr>
-            <a:spLocks noGrp="1"/>
-          </p:cNvSpPr>
-          <p:nvPr>
-            <p:ph type="body" sz="quarter" idx="18"/>
-          </p:nvPr>
-        </p:nvSpPr>
-        <p:spPr/>
-        <p:txBody>
-          <a:bodyPr/>
-          <a:lstStyle/>
-          <a:p>
-            <a:r>
-              <a:rPr lang="en-US" dirty="0"/>
-              <a:t>5</a:t>
-            </a:r>
-          </a:p>
-        </p:txBody>
-      </p:sp>
-      <p:sp>
-        <p:nvSpPr>
-          <p:cNvPr id="27" name="Text Placeholder 26"/>
-          <p:cNvSpPr>
-            <a:spLocks noGrp="1"/>
-          </p:cNvSpPr>
-          <p:nvPr>
-            <p:ph type="body" sz="quarter" idx="19"/>
-          </p:nvPr>
-        </p:nvSpPr>
-        <p:spPr/>
-        <p:txBody>
-          <a:bodyPr/>
-          <a:lstStyle/>
-          <a:p>
-            <a:r>
-              <a:rPr lang="en-US" dirty="0"/>
-              <a:t>Database evolution</a:t>
-            </a:r>
-          </a:p>
-        </p:txBody>
-      </p:sp>
-      <p:sp>
-        <p:nvSpPr>
-          <p:cNvPr id="28" name="Text Placeholder 27"/>
-          <p:cNvSpPr>
-            <a:spLocks noGrp="1"/>
-          </p:cNvSpPr>
-          <p:nvPr>
-            <p:ph type="body" sz="quarter" idx="20"/>
-          </p:nvPr>
-        </p:nvSpPr>
-        <p:spPr/>
-        <p:txBody>
-          <a:bodyPr/>
-          <a:lstStyle/>
-          <a:p>
-            <a:r>
-              <a:rPr lang="en-US" dirty="0"/>
-              <a:t>MS SQL Server overview</a:t>
-            </a:r>
-          </a:p>
-        </p:txBody>
-      </p:sp>
-      <p:sp>
-        <p:nvSpPr>
-          <p:cNvPr id="29" name="Text Placeholder 28"/>
-          <p:cNvSpPr>
-            <a:spLocks noGrp="1"/>
-          </p:cNvSpPr>
-          <p:nvPr>
-            <p:ph type="body" sz="quarter" idx="21"/>
-          </p:nvPr>
-        </p:nvSpPr>
-        <p:spPr/>
-        <p:txBody>
-          <a:bodyPr/>
-          <a:lstStyle/>
-          <a:p>
-            <a:r>
-              <a:rPr lang="en-US" dirty="0"/>
-              <a:t>Resources</a:t>
-            </a:r>
-          </a:p>
-        </p:txBody>
-      </p:sp>
-      <p:sp>
-        <p:nvSpPr>
-          <p:cNvPr id="30" name="Text Placeholder 29"/>
-          <p:cNvSpPr>
-            <a:spLocks noGrp="1"/>
-          </p:cNvSpPr>
-          <p:nvPr>
-            <p:ph type="body" sz="quarter" idx="22"/>
-          </p:nvPr>
-        </p:nvSpPr>
-        <p:spPr/>
-        <p:txBody>
-          <a:bodyPr/>
-          <a:lstStyle/>
-          <a:p>
-            <a:r>
-              <a:rPr lang="en-US" dirty="0"/>
-              <a:t>Create </a:t>
-            </a:r>
-            <a:r>
-              <a:rPr lang="en-US" dirty="0" err="1"/>
-              <a:t>PoC</a:t>
-            </a:r>
-            <a:r>
-              <a:rPr lang="en-US" dirty="0"/>
-              <a:t> of a Database</a:t>
-            </a:r>
-          </a:p>
-        </p:txBody>
-      </p:sp>
-      <p:sp>
-        <p:nvSpPr>
-          <p:cNvPr id="6" name="Slide Number Placeholder 5">
-            <a:extLst>
-              <a:ext uri="{FF2B5EF4-FFF2-40B4-BE49-F238E27FC236}">
-                <a16:creationId xmlns:a16="http://schemas.microsoft.com/office/drawing/2014/main" id="{EB11C89A-3E1B-FF47-B76F-3E8ED7756FCF}"/>
-              </a:ext>
-            </a:extLst>
-          </p:cNvPr>
-          <p:cNvSpPr>
-            <a:spLocks noGrp="1"/>
-          </p:cNvSpPr>
-          <p:nvPr>
-            <p:ph type="sldNum" sz="quarter" idx="4"/>
-          </p:nvPr>
-        </p:nvSpPr>
-        <p:spPr/>
-        <p:txBody>
-          <a:bodyPr/>
-          <a:lstStyle/>
-          <a:p>
-            <a:pPr marL="0" marR="0" lvl="0" indent="0" algn="r" defTabSz="685800" rtl="0" eaLnBrk="1" fontAlgn="auto" latinLnBrk="0" hangingPunct="1">
-              <a:lnSpc>
-                <a:spcPct val="100000"/>
-              </a:lnSpc>
-              <a:spcBef>
-                <a:spcPts val="0"/>
-              </a:spcBef>
-              <a:spcAft>
-                <a:spcPts val="0"/>
-              </a:spcAft>
-              <a:buClrTx/>
-              <a:buSzTx/>
-              <a:buFontTx/>
-              <a:buNone/>
-              <a:tabLst/>
-              <a:defRPr/>
-            </a:pPr>
-            <a:fld id="{3A707DD9-E92B-45E8-BE0A-E6B2EDF345EB}" type="slidenum">
-              <a:rPr kumimoji="0" lang="en-US" sz="800" b="1" i="0" u="none" strike="noStrike" kern="1200" cap="none" spc="0" normalizeH="0" baseline="0" noProof="0" smtClean="0">
-                <a:ln>
-                  <a:noFill/>
-                </a:ln>
-                <a:solidFill>
-                  <a:srgbClr val="FEFEFE"/>
-                </a:solidFill>
-                <a:effectLst/>
-                <a:uLnTx/>
-                <a:uFillTx/>
-                <a:latin typeface="Calibri Light"/>
-                <a:ea typeface="+mn-ea"/>
-                <a:cs typeface="+mn-cs"/>
-              </a:rPr>
-              <a:pPr marL="0" marR="0" lvl="0" indent="0" algn="r" defTabSz="685800" rtl="0" eaLnBrk="1" fontAlgn="auto" latinLnBrk="0" hangingPunct="1">
-                <a:lnSpc>
-                  <a:spcPct val="100000"/>
-                </a:lnSpc>
-                <a:spcBef>
-                  <a:spcPts val="0"/>
-                </a:spcBef>
-                <a:spcAft>
-                  <a:spcPts val="0"/>
-                </a:spcAft>
-                <a:buClrTx/>
-                <a:buSzTx/>
-                <a:buFontTx/>
-                <a:buNone/>
-                <a:tabLst/>
-                <a:defRPr/>
-              </a:pPr>
-              <a:t>2</a:t>
-            </a:fld>
-            <a:endParaRPr kumimoji="0" lang="en-US" sz="800" b="1" i="0" u="none" strike="noStrike" kern="1200" cap="none" spc="0" normalizeH="0" baseline="0" noProof="0" dirty="0">
-              <a:ln>
-                <a:noFill/>
-              </a:ln>
-              <a:solidFill>
-                <a:srgbClr val="FEFEFE"/>
-              </a:solidFill>
-              <a:effectLst/>
-              <a:uLnTx/>
-              <a:uFillTx/>
-              <a:latin typeface="Calibri Light"/>
-              <a:ea typeface="+mn-ea"/>
-              <a:cs typeface="+mn-cs"/>
-            </a:endParaRPr>
-          </a:p>
-        </p:txBody>
-      </p:sp>
-      <p:pic>
-        <p:nvPicPr>
-          <p:cNvPr id="4" name="Graphic 3">
-            <a:extLst>
-              <a:ext uri="{FF2B5EF4-FFF2-40B4-BE49-F238E27FC236}">
-                <a16:creationId xmlns:a16="http://schemas.microsoft.com/office/drawing/2014/main" id="{3D44F9B5-FAC6-4140-A900-F518CDBDC18F}"/>
-              </a:ext>
-            </a:extLst>
-          </p:cNvPr>
-          <p:cNvPicPr>
-            <a:picLocks noChangeAspect="1"/>
-          </p:cNvPicPr>
-          <p:nvPr/>
-        </p:nvPicPr>
-        <p:blipFill>
-          <a:blip r:embed="rId2">
-            <a:extLst>
-              <a:ext uri="{96DAC541-7B7A-43D3-8B79-37D633B846F1}">
-                <asvg:svgBlip xmlns:asvg="http://schemas.microsoft.com/office/drawing/2016/SVG/main" r:embed="rId3"/>
-              </a:ext>
-            </a:extLst>
-          </a:blip>
-          <a:stretch>
-            <a:fillRect/>
-          </a:stretch>
-        </p:blipFill>
-        <p:spPr>
-          <a:xfrm>
-            <a:off x="5558047" y="1200150"/>
-            <a:ext cx="3228765" cy="2743200"/>
-          </a:xfrm>
-          <a:prstGeom prst="rect">
-            <a:avLst/>
-          </a:prstGeom>
-        </p:spPr>
-      </p:pic>
-    </p:spTree>
-    <p:extLst>
-      <p:ext uri="{BB962C8B-B14F-4D97-AF65-F5344CB8AC3E}">
-        <p14:creationId xmlns:p14="http://schemas.microsoft.com/office/powerpoint/2010/main" val="3568211985"/>
-      </p:ext>
-    </p:extLst>
-  </p:cSld>
-  <p:clrMapOvr>
-    <a:masterClrMapping/>
-  </p:clrMapOvr>
-</p:sld>
-</file>
-
-<file path=ppt/slides/slide20.xml><?xml version="1.0" encoding="utf-8"?>
+<file path=ppt/slides/slide19.xml><?xml version="1.0" encoding="utf-8"?>
 <p:sld xmlns:a="http://schemas.openxmlformats.org/drawingml/2006/main" xmlns:r="http://schemas.openxmlformats.org/officeDocument/2006/relationships" xmlns:p="http://schemas.openxmlformats.org/presentationml/2006/main">
   <p:cSld>
     <p:spTree>
@@ -27796,7 +27048,7 @@
             <a:fld id="{3A707DD9-E92B-45E8-BE0A-E6B2EDF345EB}" type="slidenum">
               <a:rPr lang="en-US" smtClean="0"/>
               <a:pPr/>
-              <a:t>20</a:t>
+              <a:t>19</a:t>
             </a:fld>
             <a:endParaRPr lang="en-US" dirty="0"/>
           </a:p>
@@ -27815,7 +27067,360 @@
 </p:sld>
 </file>
 
-<file path=ppt/slides/slide21.xml><?xml version="1.0" encoding="utf-8"?>
+<file path=ppt/slides/slide2.xml><?xml version="1.0" encoding="utf-8"?>
+<p:sld xmlns:a="http://schemas.openxmlformats.org/drawingml/2006/main" xmlns:r="http://schemas.openxmlformats.org/officeDocument/2006/relationships" xmlns:p="http://schemas.openxmlformats.org/presentationml/2006/main">
+  <p:cSld>
+    <p:spTree>
+      <p:nvGrpSpPr>
+        <p:cNvPr id="1" name=""/>
+        <p:cNvGrpSpPr/>
+        <p:nvPr/>
+      </p:nvGrpSpPr>
+      <p:grpSpPr>
+        <a:xfrm>
+          <a:off x="0" y="0"/>
+          <a:ext cx="0" cy="0"/>
+          <a:chOff x="0" y="0"/>
+          <a:chExt cx="0" cy="0"/>
+        </a:xfrm>
+      </p:grpSpPr>
+      <p:sp>
+        <p:nvSpPr>
+          <p:cNvPr id="3" name="Title 2"/>
+          <p:cNvSpPr>
+            <a:spLocks noGrp="1"/>
+          </p:cNvSpPr>
+          <p:nvPr>
+            <p:ph type="title"/>
+          </p:nvPr>
+        </p:nvSpPr>
+        <p:spPr/>
+        <p:txBody>
+          <a:bodyPr/>
+          <a:lstStyle/>
+          <a:p>
+            <a:r>
+              <a:rPr lang="en-US" dirty="0"/>
+              <a:t>Agenda</a:t>
+            </a:r>
+          </a:p>
+        </p:txBody>
+      </p:sp>
+      <p:sp>
+        <p:nvSpPr>
+          <p:cNvPr id="5" name="Text Placeholder 4"/>
+          <p:cNvSpPr>
+            <a:spLocks noGrp="1"/>
+          </p:cNvSpPr>
+          <p:nvPr>
+            <p:ph type="body" sz="quarter" idx="12"/>
+          </p:nvPr>
+        </p:nvSpPr>
+        <p:spPr/>
+        <p:txBody>
+          <a:bodyPr/>
+          <a:lstStyle/>
+          <a:p>
+            <a:r>
+              <a:rPr lang="en-US" dirty="0"/>
+              <a:t>1</a:t>
+            </a:r>
+          </a:p>
+        </p:txBody>
+      </p:sp>
+      <p:sp>
+        <p:nvSpPr>
+          <p:cNvPr id="21" name="Text Placeholder 20"/>
+          <p:cNvSpPr>
+            <a:spLocks noGrp="1"/>
+          </p:cNvSpPr>
+          <p:nvPr>
+            <p:ph type="body" sz="quarter" idx="13"/>
+          </p:nvPr>
+        </p:nvSpPr>
+        <p:spPr/>
+        <p:txBody>
+          <a:bodyPr/>
+          <a:lstStyle/>
+          <a:p>
+            <a:r>
+              <a:rPr lang="en-US" dirty="0"/>
+              <a:t>About this course</a:t>
+            </a:r>
+          </a:p>
+        </p:txBody>
+      </p:sp>
+      <p:sp>
+        <p:nvSpPr>
+          <p:cNvPr id="23" name="Text Placeholder 22"/>
+          <p:cNvSpPr>
+            <a:spLocks noGrp="1"/>
+          </p:cNvSpPr>
+          <p:nvPr>
+            <p:ph type="body" sz="quarter" idx="15"/>
+          </p:nvPr>
+        </p:nvSpPr>
+        <p:spPr/>
+        <p:txBody>
+          <a:bodyPr/>
+          <a:lstStyle/>
+          <a:p>
+            <a:r>
+              <a:rPr lang="en-US" dirty="0"/>
+              <a:t>2</a:t>
+            </a:r>
+          </a:p>
+        </p:txBody>
+      </p:sp>
+      <p:sp>
+        <p:nvSpPr>
+          <p:cNvPr id="24" name="Text Placeholder 23"/>
+          <p:cNvSpPr>
+            <a:spLocks noGrp="1"/>
+          </p:cNvSpPr>
+          <p:nvPr>
+            <p:ph type="body" sz="quarter" idx="16"/>
+          </p:nvPr>
+        </p:nvSpPr>
+        <p:spPr/>
+        <p:txBody>
+          <a:bodyPr/>
+          <a:lstStyle/>
+          <a:p>
+            <a:r>
+              <a:rPr lang="en-US" dirty="0"/>
+              <a:t>3</a:t>
+            </a:r>
+          </a:p>
+        </p:txBody>
+      </p:sp>
+      <p:sp>
+        <p:nvSpPr>
+          <p:cNvPr id="25" name="Text Placeholder 24"/>
+          <p:cNvSpPr>
+            <a:spLocks noGrp="1"/>
+          </p:cNvSpPr>
+          <p:nvPr>
+            <p:ph type="body" sz="quarter" idx="17"/>
+          </p:nvPr>
+        </p:nvSpPr>
+        <p:spPr/>
+        <p:txBody>
+          <a:bodyPr/>
+          <a:lstStyle/>
+          <a:p>
+            <a:r>
+              <a:rPr lang="en-US" dirty="0"/>
+              <a:t>4</a:t>
+            </a:r>
+          </a:p>
+        </p:txBody>
+      </p:sp>
+      <p:sp>
+        <p:nvSpPr>
+          <p:cNvPr id="27" name="Text Placeholder 26"/>
+          <p:cNvSpPr>
+            <a:spLocks noGrp="1"/>
+          </p:cNvSpPr>
+          <p:nvPr>
+            <p:ph type="body" sz="quarter" idx="19"/>
+          </p:nvPr>
+        </p:nvSpPr>
+        <p:spPr/>
+        <p:txBody>
+          <a:bodyPr/>
+          <a:lstStyle/>
+          <a:p>
+            <a:r>
+              <a:rPr lang="en-US" dirty="0"/>
+              <a:t>Database evolution</a:t>
+            </a:r>
+          </a:p>
+        </p:txBody>
+      </p:sp>
+      <p:sp>
+        <p:nvSpPr>
+          <p:cNvPr id="28" name="Text Placeholder 27"/>
+          <p:cNvSpPr>
+            <a:spLocks noGrp="1"/>
+          </p:cNvSpPr>
+          <p:nvPr>
+            <p:ph type="body" sz="quarter" idx="20"/>
+          </p:nvPr>
+        </p:nvSpPr>
+        <p:spPr/>
+        <p:txBody>
+          <a:bodyPr/>
+          <a:lstStyle/>
+          <a:p>
+            <a:r>
+              <a:rPr lang="en-US" dirty="0"/>
+              <a:t>MS SQL Server overview</a:t>
+            </a:r>
+          </a:p>
+        </p:txBody>
+      </p:sp>
+      <p:sp>
+        <p:nvSpPr>
+          <p:cNvPr id="29" name="Text Placeholder 28"/>
+          <p:cNvSpPr>
+            <a:spLocks noGrp="1"/>
+          </p:cNvSpPr>
+          <p:nvPr>
+            <p:ph type="body" sz="quarter" idx="21"/>
+          </p:nvPr>
+        </p:nvSpPr>
+        <p:spPr/>
+        <p:txBody>
+          <a:bodyPr/>
+          <a:lstStyle/>
+          <a:p>
+            <a:r>
+              <a:rPr lang="en-US" dirty="0"/>
+              <a:t>Resources</a:t>
+            </a:r>
+          </a:p>
+        </p:txBody>
+      </p:sp>
+      <p:sp>
+        <p:nvSpPr>
+          <p:cNvPr id="6" name="Slide Number Placeholder 5">
+            <a:extLst>
+              <a:ext uri="{FF2B5EF4-FFF2-40B4-BE49-F238E27FC236}">
+                <a16:creationId xmlns:a16="http://schemas.microsoft.com/office/drawing/2014/main" id="{EB11C89A-3E1B-FF47-B76F-3E8ED7756FCF}"/>
+              </a:ext>
+            </a:extLst>
+          </p:cNvPr>
+          <p:cNvSpPr>
+            <a:spLocks noGrp="1"/>
+          </p:cNvSpPr>
+          <p:nvPr>
+            <p:ph type="sldNum" sz="quarter" idx="4"/>
+          </p:nvPr>
+        </p:nvSpPr>
+        <p:spPr/>
+        <p:txBody>
+          <a:bodyPr/>
+          <a:lstStyle/>
+          <a:p>
+            <a:pPr marL="0" marR="0" lvl="0" indent="0" algn="r" defTabSz="685800" rtl="0" eaLnBrk="1" fontAlgn="auto" latinLnBrk="0" hangingPunct="1">
+              <a:lnSpc>
+                <a:spcPct val="100000"/>
+              </a:lnSpc>
+              <a:spcBef>
+                <a:spcPts val="0"/>
+              </a:spcBef>
+              <a:spcAft>
+                <a:spcPts val="0"/>
+              </a:spcAft>
+              <a:buClrTx/>
+              <a:buSzTx/>
+              <a:buFontTx/>
+              <a:buNone/>
+              <a:tabLst/>
+              <a:defRPr/>
+            </a:pPr>
+            <a:fld id="{3A707DD9-E92B-45E8-BE0A-E6B2EDF345EB}" type="slidenum">
+              <a:rPr kumimoji="0" lang="en-US" sz="800" b="1" i="0" u="none" strike="noStrike" kern="1200" cap="none" spc="0" normalizeH="0" baseline="0" noProof="0" smtClean="0">
+                <a:ln>
+                  <a:noFill/>
+                </a:ln>
+                <a:solidFill>
+                  <a:srgbClr val="FEFEFE"/>
+                </a:solidFill>
+                <a:effectLst/>
+                <a:uLnTx/>
+                <a:uFillTx/>
+                <a:latin typeface="Calibri Light"/>
+                <a:ea typeface="+mn-ea"/>
+                <a:cs typeface="+mn-cs"/>
+              </a:rPr>
+              <a:pPr marL="0" marR="0" lvl="0" indent="0" algn="r" defTabSz="685800" rtl="0" eaLnBrk="1" fontAlgn="auto" latinLnBrk="0" hangingPunct="1">
+                <a:lnSpc>
+                  <a:spcPct val="100000"/>
+                </a:lnSpc>
+                <a:spcBef>
+                  <a:spcPts val="0"/>
+                </a:spcBef>
+                <a:spcAft>
+                  <a:spcPts val="0"/>
+                </a:spcAft>
+                <a:buClrTx/>
+                <a:buSzTx/>
+                <a:buFontTx/>
+                <a:buNone/>
+                <a:tabLst/>
+                <a:defRPr/>
+              </a:pPr>
+              <a:t>2</a:t>
+            </a:fld>
+            <a:endParaRPr kumimoji="0" lang="en-US" sz="800" b="1" i="0" u="none" strike="noStrike" kern="1200" cap="none" spc="0" normalizeH="0" baseline="0" noProof="0" dirty="0">
+              <a:ln>
+                <a:noFill/>
+              </a:ln>
+              <a:solidFill>
+                <a:srgbClr val="FEFEFE"/>
+              </a:solidFill>
+              <a:effectLst/>
+              <a:uLnTx/>
+              <a:uFillTx/>
+              <a:latin typeface="Calibri Light"/>
+              <a:ea typeface="+mn-ea"/>
+              <a:cs typeface="+mn-cs"/>
+            </a:endParaRPr>
+          </a:p>
+        </p:txBody>
+      </p:sp>
+      <p:pic>
+        <p:nvPicPr>
+          <p:cNvPr id="4" name="Graphic 3">
+            <a:extLst>
+              <a:ext uri="{FF2B5EF4-FFF2-40B4-BE49-F238E27FC236}">
+                <a16:creationId xmlns:a16="http://schemas.microsoft.com/office/drawing/2014/main" id="{3D44F9B5-FAC6-4140-A900-F518CDBDC18F}"/>
+              </a:ext>
+            </a:extLst>
+          </p:cNvPr>
+          <p:cNvPicPr>
+            <a:picLocks noChangeAspect="1"/>
+          </p:cNvPicPr>
+          <p:nvPr/>
+        </p:nvPicPr>
+        <p:blipFill>
+          <a:blip r:embed="rId2">
+            <a:extLst>
+              <a:ext uri="{96DAC541-7B7A-43D3-8B79-37D633B846F1}">
+                <asvg:svgBlip xmlns:asvg="http://schemas.microsoft.com/office/drawing/2016/SVG/main" r:embed="rId3"/>
+              </a:ext>
+            </a:extLst>
+          </a:blip>
+          <a:stretch>
+            <a:fillRect/>
+          </a:stretch>
+        </p:blipFill>
+        <p:spPr>
+          <a:xfrm>
+            <a:off x="5558047" y="1200150"/>
+            <a:ext cx="3228765" cy="2743200"/>
+          </a:xfrm>
+          <a:prstGeom prst="rect">
+            <a:avLst/>
+          </a:prstGeom>
+        </p:spPr>
+      </p:pic>
+    </p:spTree>
+    <p:extLst>
+      <p:ext uri="{BB962C8B-B14F-4D97-AF65-F5344CB8AC3E}">
+        <p14:creationId xmlns:p14="http://schemas.microsoft.com/office/powerpoint/2010/main" val="3568211985"/>
+      </p:ext>
+    </p:extLst>
+  </p:cSld>
+  <p:clrMapOvr>
+    <a:masterClrMapping/>
+  </p:clrMapOvr>
+</p:sld>
+</file>
+
+<file path=ppt/slides/slide20.xml><?xml version="1.0" encoding="utf-8"?>
 <p:sld xmlns:a="http://schemas.openxmlformats.org/drawingml/2006/main" xmlns:r="http://schemas.openxmlformats.org/officeDocument/2006/relationships" xmlns:p="http://schemas.openxmlformats.org/presentationml/2006/main">
   <p:cSld>
     <p:spTree>
@@ -27954,7 +27559,7 @@
             <a:fld id="{3A707DD9-E92B-45E8-BE0A-E6B2EDF345EB}" type="slidenum">
               <a:rPr lang="en-US" smtClean="0"/>
               <a:pPr/>
-              <a:t>21</a:t>
+              <a:t>20</a:t>
             </a:fld>
             <a:endParaRPr lang="en-US" dirty="0"/>
           </a:p>
@@ -27973,7 +27578,7 @@
 </p:sld>
 </file>
 
-<file path=ppt/slides/slide22.xml><?xml version="1.0" encoding="utf-8"?>
+<file path=ppt/slides/slide21.xml><?xml version="1.0" encoding="utf-8"?>
 <p:sld xmlns:a="http://schemas.openxmlformats.org/drawingml/2006/main" xmlns:r="http://schemas.openxmlformats.org/officeDocument/2006/relationships" xmlns:p="http://schemas.openxmlformats.org/presentationml/2006/main">
   <p:cSld>
     <p:spTree>
@@ -28089,7 +27694,7 @@
             <a:fld id="{3A707DD9-E92B-45E8-BE0A-E6B2EDF345EB}" type="slidenum">
               <a:rPr lang="en-US" smtClean="0"/>
               <a:pPr/>
-              <a:t>22</a:t>
+              <a:t>21</a:t>
             </a:fld>
             <a:endParaRPr lang="en-US" dirty="0"/>
           </a:p>
@@ -28108,7 +27713,7 @@
 </p:sld>
 </file>
 
-<file path=ppt/slides/slide23.xml><?xml version="1.0" encoding="utf-8"?>
+<file path=ppt/slides/slide22.xml><?xml version="1.0" encoding="utf-8"?>
 <p:sld xmlns:a="http://schemas.openxmlformats.org/drawingml/2006/main" xmlns:r="http://schemas.openxmlformats.org/officeDocument/2006/relationships" xmlns:p="http://schemas.openxmlformats.org/presentationml/2006/main">
   <p:cSld>
     <p:spTree>
@@ -28207,7 +27812,7 @@
             <a:fld id="{3A707DD9-E92B-45E8-BE0A-E6B2EDF345EB}" type="slidenum">
               <a:rPr lang="en-US" smtClean="0"/>
               <a:pPr/>
-              <a:t>23</a:t>
+              <a:t>22</a:t>
             </a:fld>
             <a:endParaRPr lang="en-US" dirty="0"/>
           </a:p>
@@ -28226,7 +27831,7 @@
 </p:sld>
 </file>
 
-<file path=ppt/slides/slide24.xml><?xml version="1.0" encoding="utf-8"?>
+<file path=ppt/slides/slide23.xml><?xml version="1.0" encoding="utf-8"?>
 <p:sld xmlns:a="http://schemas.openxmlformats.org/drawingml/2006/main" xmlns:r="http://schemas.openxmlformats.org/officeDocument/2006/relationships" xmlns:p="http://schemas.openxmlformats.org/presentationml/2006/main">
   <p:cSld>
     <p:spTree>
@@ -28342,7 +27947,7 @@
             <a:fld id="{3A707DD9-E92B-45E8-BE0A-E6B2EDF345EB}" type="slidenum">
               <a:rPr lang="en-US" smtClean="0"/>
               <a:pPr/>
-              <a:t>24</a:t>
+              <a:t>23</a:t>
             </a:fld>
             <a:endParaRPr lang="en-US" dirty="0"/>
           </a:p>
@@ -28361,7 +27966,7 @@
 </p:sld>
 </file>
 
-<file path=ppt/slides/slide25.xml><?xml version="1.0" encoding="utf-8"?>
+<file path=ppt/slides/slide24.xml><?xml version="1.0" encoding="utf-8"?>
 <p:sld xmlns:a="http://schemas.openxmlformats.org/drawingml/2006/main" xmlns:r="http://schemas.openxmlformats.org/officeDocument/2006/relationships" xmlns:p="http://schemas.openxmlformats.org/presentationml/2006/main">
   <p:cSld>
     <p:spTree>
@@ -28488,7 +28093,7 @@
             <a:fld id="{3A707DD9-E92B-45E8-BE0A-E6B2EDF345EB}" type="slidenum">
               <a:rPr lang="en-US" smtClean="0"/>
               <a:pPr/>
-              <a:t>25</a:t>
+              <a:t>24</a:t>
             </a:fld>
             <a:endParaRPr lang="en-US" dirty="0"/>
           </a:p>
@@ -28507,7 +28112,7 @@
 </p:sld>
 </file>
 
-<file path=ppt/slides/slide26.xml><?xml version="1.0" encoding="utf-8"?>
+<file path=ppt/slides/slide25.xml><?xml version="1.0" encoding="utf-8"?>
 <p:sld xmlns:a="http://schemas.openxmlformats.org/drawingml/2006/main" xmlns:r="http://schemas.openxmlformats.org/officeDocument/2006/relationships" xmlns:p="http://schemas.openxmlformats.org/presentationml/2006/main">
   <p:cSld>
     <p:spTree>
@@ -28674,7 +28279,7 @@
                   <a:spcPts val="600"/>
                 </a:spcAft>
               </a:pPr>
-              <a:t>26</a:t>
+              <a:t>25</a:t>
             </a:fld>
             <a:endParaRPr lang="en-US"/>
           </a:p>
@@ -28693,7 +28298,7 @@
 </p:sld>
 </file>
 
-<file path=ppt/slides/slide27.xml><?xml version="1.0" encoding="utf-8"?>
+<file path=ppt/slides/slide26.xml><?xml version="1.0" encoding="utf-8"?>
 <p:sld xmlns:a="http://schemas.openxmlformats.org/drawingml/2006/main" xmlns:r="http://schemas.openxmlformats.org/officeDocument/2006/relationships" xmlns:p="http://schemas.openxmlformats.org/presentationml/2006/main">
   <p:cSld>
     <p:spTree>
@@ -28856,7 +28461,7 @@
                   <a:spcPts val="600"/>
                 </a:spcAft>
               </a:pPr>
-              <a:t>27</a:t>
+              <a:t>26</a:t>
             </a:fld>
             <a:endParaRPr lang="en-US"/>
           </a:p>
@@ -28866,6 +28471,94 @@
     <p:extLst>
       <p:ext uri="{BB962C8B-B14F-4D97-AF65-F5344CB8AC3E}">
         <p14:creationId xmlns:p14="http://schemas.microsoft.com/office/powerpoint/2010/main" val="393721485"/>
+      </p:ext>
+    </p:extLst>
+  </p:cSld>
+  <p:clrMapOvr>
+    <a:masterClrMapping/>
+  </p:clrMapOvr>
+</p:sld>
+</file>
+
+<file path=ppt/slides/slide27.xml><?xml version="1.0" encoding="utf-8"?>
+<p:sld xmlns:a="http://schemas.openxmlformats.org/drawingml/2006/main" xmlns:r="http://schemas.openxmlformats.org/officeDocument/2006/relationships" xmlns:p="http://schemas.openxmlformats.org/presentationml/2006/main">
+  <p:cSld>
+    <p:spTree>
+      <p:nvGrpSpPr>
+        <p:cNvPr id="1" name=""/>
+        <p:cNvGrpSpPr/>
+        <p:nvPr/>
+      </p:nvGrpSpPr>
+      <p:grpSpPr>
+        <a:xfrm>
+          <a:off x="0" y="0"/>
+          <a:ext cx="0" cy="0"/>
+          <a:chOff x="0" y="0"/>
+          <a:chExt cx="0" cy="0"/>
+        </a:xfrm>
+      </p:grpSpPr>
+      <p:sp>
+        <p:nvSpPr>
+          <p:cNvPr id="2" name="Title 1">
+            <a:extLst>
+              <a:ext uri="{FF2B5EF4-FFF2-40B4-BE49-F238E27FC236}">
+                <a16:creationId xmlns:a16="http://schemas.microsoft.com/office/drawing/2014/main" id="{41108FAB-BFA6-4D43-8340-C08DCA41C951}"/>
+              </a:ext>
+            </a:extLst>
+          </p:cNvPr>
+          <p:cNvSpPr>
+            <a:spLocks noGrp="1"/>
+          </p:cNvSpPr>
+          <p:nvPr>
+            <p:ph type="title"/>
+          </p:nvPr>
+        </p:nvSpPr>
+        <p:spPr/>
+        <p:txBody>
+          <a:bodyPr/>
+          <a:lstStyle/>
+          <a:p>
+            <a:r>
+              <a:rPr lang="en-US" dirty="0"/>
+              <a:t>Resources</a:t>
+            </a:r>
+          </a:p>
+        </p:txBody>
+      </p:sp>
+      <p:cxnSp>
+        <p:nvCxnSpPr>
+          <p:cNvPr id="5" name="Straight Connector 4"/>
+          <p:cNvCxnSpPr/>
+          <p:nvPr/>
+        </p:nvCxnSpPr>
+        <p:spPr>
+          <a:xfrm>
+            <a:off x="1814122" y="1371856"/>
+            <a:ext cx="0" cy="2881198"/>
+          </a:xfrm>
+          <a:prstGeom prst="line">
+            <a:avLst/>
+          </a:prstGeom>
+        </p:spPr>
+        <p:style>
+          <a:lnRef idx="3">
+            <a:schemeClr val="accent2"/>
+          </a:lnRef>
+          <a:fillRef idx="0">
+            <a:schemeClr val="accent2"/>
+          </a:fillRef>
+          <a:effectRef idx="2">
+            <a:schemeClr val="accent2"/>
+          </a:effectRef>
+          <a:fontRef idx="minor">
+            <a:schemeClr val="tx1"/>
+          </a:fontRef>
+        </p:style>
+      </p:cxnSp>
+    </p:spTree>
+    <p:extLst>
+      <p:ext uri="{BB962C8B-B14F-4D97-AF65-F5344CB8AC3E}">
+        <p14:creationId xmlns:p14="http://schemas.microsoft.com/office/powerpoint/2010/main" val="1794281733"/>
       </p:ext>
     </p:extLst>
   </p:cSld>
@@ -28915,99 +28608,7 @@
           <a:p>
             <a:r>
               <a:rPr lang="en-US" dirty="0"/>
-              <a:t>Resources</a:t>
-            </a:r>
-          </a:p>
-        </p:txBody>
-      </p:sp>
-      <p:cxnSp>
-        <p:nvCxnSpPr>
-          <p:cNvPr id="5" name="Straight Connector 4"/>
-          <p:cNvCxnSpPr/>
-          <p:nvPr/>
-        </p:nvCxnSpPr>
-        <p:spPr>
-          <a:xfrm>
-            <a:off x="1814122" y="1371856"/>
-            <a:ext cx="0" cy="2881198"/>
-          </a:xfrm>
-          <a:prstGeom prst="line">
-            <a:avLst/>
-          </a:prstGeom>
-        </p:spPr>
-        <p:style>
-          <a:lnRef idx="3">
-            <a:schemeClr val="accent2"/>
-          </a:lnRef>
-          <a:fillRef idx="0">
-            <a:schemeClr val="accent2"/>
-          </a:fillRef>
-          <a:effectRef idx="2">
-            <a:schemeClr val="accent2"/>
-          </a:effectRef>
-          <a:fontRef idx="minor">
-            <a:schemeClr val="tx1"/>
-          </a:fontRef>
-        </p:style>
-      </p:cxnSp>
-    </p:spTree>
-    <p:extLst>
-      <p:ext uri="{BB962C8B-B14F-4D97-AF65-F5344CB8AC3E}">
-        <p14:creationId xmlns:p14="http://schemas.microsoft.com/office/powerpoint/2010/main" val="1794281733"/>
-      </p:ext>
-    </p:extLst>
-  </p:cSld>
-  <p:clrMapOvr>
-    <a:masterClrMapping/>
-  </p:clrMapOvr>
-</p:sld>
-</file>
-
-<file path=ppt/slides/slide29.xml><?xml version="1.0" encoding="utf-8"?>
-<p:sld xmlns:a="http://schemas.openxmlformats.org/drawingml/2006/main" xmlns:r="http://schemas.openxmlformats.org/officeDocument/2006/relationships" xmlns:p="http://schemas.openxmlformats.org/presentationml/2006/main">
-  <p:cSld>
-    <p:spTree>
-      <p:nvGrpSpPr>
-        <p:cNvPr id="1" name=""/>
-        <p:cNvGrpSpPr/>
-        <p:nvPr/>
-      </p:nvGrpSpPr>
-      <p:grpSpPr>
-        <a:xfrm>
-          <a:off x="0" y="0"/>
-          <a:ext cx="0" cy="0"/>
-          <a:chOff x="0" y="0"/>
-          <a:chExt cx="0" cy="0"/>
-        </a:xfrm>
-      </p:grpSpPr>
-      <p:sp>
-        <p:nvSpPr>
-          <p:cNvPr id="2" name="Title 1">
-            <a:extLst>
-              <a:ext uri="{FF2B5EF4-FFF2-40B4-BE49-F238E27FC236}">
-                <a16:creationId xmlns:a16="http://schemas.microsoft.com/office/drawing/2014/main" id="{41108FAB-BFA6-4D43-8340-C08DCA41C951}"/>
-              </a:ext>
-            </a:extLst>
-          </p:cNvPr>
-          <p:cNvSpPr>
-            <a:spLocks noGrp="1"/>
-          </p:cNvSpPr>
-          <p:nvPr>
-            <p:ph type="title"/>
-          </p:nvPr>
-        </p:nvSpPr>
-        <p:spPr/>
-        <p:txBody>
-          <a:bodyPr/>
-          <a:lstStyle/>
-          <a:p>
-            <a:r>
-              <a:rPr lang="en-US" dirty="0" err="1"/>
-              <a:t>PoC</a:t>
-            </a:r>
-            <a:r>
-              <a:rPr lang="en-US" dirty="0"/>
-              <a:t> of a Database</a:t>
+              <a:t>Q&amp;A Session</a:t>
             </a:r>
           </a:p>
         </p:txBody>
@@ -29134,98 +28735,6 @@
     <p:extLst>
       <p:ext uri="{BB962C8B-B14F-4D97-AF65-F5344CB8AC3E}">
         <p14:creationId xmlns:p14="http://schemas.microsoft.com/office/powerpoint/2010/main" val="481641210"/>
-      </p:ext>
-    </p:extLst>
-  </p:cSld>
-  <p:clrMapOvr>
-    <a:masterClrMapping/>
-  </p:clrMapOvr>
-</p:sld>
-</file>
-
-<file path=ppt/slides/slide30.xml><?xml version="1.0" encoding="utf-8"?>
-<p:sld xmlns:a="http://schemas.openxmlformats.org/drawingml/2006/main" xmlns:r="http://schemas.openxmlformats.org/officeDocument/2006/relationships" xmlns:p="http://schemas.openxmlformats.org/presentationml/2006/main">
-  <p:cSld>
-    <p:spTree>
-      <p:nvGrpSpPr>
-        <p:cNvPr id="1" name=""/>
-        <p:cNvGrpSpPr/>
-        <p:nvPr/>
-      </p:nvGrpSpPr>
-      <p:grpSpPr>
-        <a:xfrm>
-          <a:off x="0" y="0"/>
-          <a:ext cx="0" cy="0"/>
-          <a:chOff x="0" y="0"/>
-          <a:chExt cx="0" cy="0"/>
-        </a:xfrm>
-      </p:grpSpPr>
-      <p:sp>
-        <p:nvSpPr>
-          <p:cNvPr id="4" name="Title 3">
-            <a:extLst>
-              <a:ext uri="{FF2B5EF4-FFF2-40B4-BE49-F238E27FC236}">
-                <a16:creationId xmlns:a16="http://schemas.microsoft.com/office/drawing/2014/main" id="{CF2879F0-AECB-46C4-8B85-C0D15F1592BB}"/>
-              </a:ext>
-            </a:extLst>
-          </p:cNvPr>
-          <p:cNvSpPr>
-            <a:spLocks noGrp="1"/>
-          </p:cNvSpPr>
-          <p:nvPr>
-            <p:ph type="title"/>
-          </p:nvPr>
-        </p:nvSpPr>
-        <p:spPr/>
-        <p:txBody>
-          <a:bodyPr/>
-          <a:lstStyle/>
-          <a:p>
-            <a:r>
-              <a:rPr lang="en-US" dirty="0" err="1"/>
-              <a:t>PoC</a:t>
-            </a:r>
-            <a:r>
-              <a:rPr lang="en-US" dirty="0"/>
-              <a:t> of a Database</a:t>
-            </a:r>
-          </a:p>
-        </p:txBody>
-      </p:sp>
-      <p:sp>
-        <p:nvSpPr>
-          <p:cNvPr id="2" name="Slide Number Placeholder 1">
-            <a:extLst>
-              <a:ext uri="{FF2B5EF4-FFF2-40B4-BE49-F238E27FC236}">
-                <a16:creationId xmlns:a16="http://schemas.microsoft.com/office/drawing/2014/main" id="{4C026B3A-15FC-497E-B838-745AAF300823}"/>
-              </a:ext>
-            </a:extLst>
-          </p:cNvPr>
-          <p:cNvSpPr>
-            <a:spLocks noGrp="1"/>
-          </p:cNvSpPr>
-          <p:nvPr>
-            <p:ph type="sldNum" sz="quarter" idx="4"/>
-          </p:nvPr>
-        </p:nvSpPr>
-        <p:spPr/>
-        <p:txBody>
-          <a:bodyPr/>
-          <a:lstStyle/>
-          <a:p>
-            <a:fld id="{3A707DD9-E92B-45E8-BE0A-E6B2EDF345EB}" type="slidenum">
-              <a:rPr lang="en-US" smtClean="0"/>
-              <a:pPr/>
-              <a:t>30</a:t>
-            </a:fld>
-            <a:endParaRPr lang="en-US" dirty="0"/>
-          </a:p>
-        </p:txBody>
-      </p:sp>
-    </p:spTree>
-    <p:extLst>
-      <p:ext uri="{BB962C8B-B14F-4D97-AF65-F5344CB8AC3E}">
-        <p14:creationId xmlns:p14="http://schemas.microsoft.com/office/powerpoint/2010/main" val="714668979"/>
       </p:ext>
     </p:extLst>
   </p:cSld>
@@ -30573,6 +30082,63 @@
         <p:spPr>
           <a:xfrm>
             <a:off x="5380511" y="1986591"/>
+            <a:ext cx="2078265" cy="311241"/>
+          </a:xfrm>
+          <a:prstGeom prst="rect">
+            <a:avLst/>
+          </a:prstGeom>
+          <a:solidFill>
+            <a:schemeClr val="accent2"/>
+          </a:solidFill>
+          <a:ln>
+            <a:noFill/>
+          </a:ln>
+          <a:effectLst/>
+        </p:spPr>
+        <p:style>
+          <a:lnRef idx="1">
+            <a:schemeClr val="accent1"/>
+          </a:lnRef>
+          <a:fillRef idx="3">
+            <a:schemeClr val="accent1"/>
+          </a:fillRef>
+          <a:effectRef idx="2">
+            <a:schemeClr val="accent1"/>
+          </a:effectRef>
+          <a:fontRef idx="minor">
+            <a:schemeClr val="lt1"/>
+          </a:fontRef>
+        </p:style>
+        <p:txBody>
+          <a:bodyPr lIns="0" tIns="0" rIns="0" bIns="0" rtlCol="0" anchor="ctr" anchorCtr="1"/>
+          <a:lstStyle/>
+          <a:p>
+            <a:pPr algn="ctr">
+              <a:lnSpc>
+                <a:spcPct val="90000"/>
+              </a:lnSpc>
+            </a:pPr>
+            <a:r>
+              <a:rPr lang="en-US" sz="900" b="1" dirty="0">
+                <a:latin typeface="Trebuchet MS"/>
+                <a:cs typeface="Trebuchet MS"/>
+              </a:rPr>
+              <a:t>Storage </a:t>
+            </a:r>
+          </a:p>
+        </p:txBody>
+      </p:sp>
+      <p:sp>
+        <p:nvSpPr>
+          <p:cNvPr id="31" name="Rectangle 30"/>
+          <p:cNvSpPr>
+            <a:spLocks/>
+          </p:cNvSpPr>
+          <p:nvPr/>
+        </p:nvSpPr>
+        <p:spPr>
+          <a:xfrm>
+            <a:off x="5378816" y="2316924"/>
             <a:ext cx="2078265" cy="320040"/>
           </a:xfrm>
           <a:prstGeom prst="rect">
@@ -30610,18 +30176,18 @@
               </a:lnSpc>
             </a:pPr>
             <a:r>
-              <a:rPr lang="en-US" sz="900" b="1">
+              <a:rPr lang="en-US" sz="900" b="1" dirty="0">
                 <a:latin typeface="Trebuchet MS"/>
                 <a:cs typeface="Trebuchet MS"/>
               </a:rPr>
-              <a:t>Storage </a:t>
+              <a:t>Azure SQL</a:t>
             </a:r>
           </a:p>
         </p:txBody>
       </p:sp>
       <p:sp>
         <p:nvSpPr>
-          <p:cNvPr id="31" name="Rectangle 30"/>
+          <p:cNvPr id="35" name="Rectangle 34"/>
           <p:cNvSpPr>
             <a:spLocks/>
           </p:cNvSpPr>
@@ -30629,7 +30195,7 @@
         </p:nvSpPr>
         <p:spPr>
           <a:xfrm>
-            <a:off x="5380511" y="2324313"/>
+            <a:off x="5378816" y="2656056"/>
             <a:ext cx="2078265" cy="320040"/>
           </a:xfrm>
           <a:prstGeom prst="rect">
@@ -30667,64 +30233,7 @@
               </a:lnSpc>
             </a:pPr>
             <a:r>
-              <a:rPr lang="en-US" sz="900" b="1">
-                <a:latin typeface="Trebuchet MS"/>
-                <a:cs typeface="Trebuchet MS"/>
-              </a:rPr>
-              <a:t>Azure SQL</a:t>
-            </a:r>
-          </a:p>
-        </p:txBody>
-      </p:sp>
-      <p:sp>
-        <p:nvSpPr>
-          <p:cNvPr id="35" name="Rectangle 34"/>
-          <p:cNvSpPr>
-            <a:spLocks/>
-          </p:cNvSpPr>
-          <p:nvPr/>
-        </p:nvSpPr>
-        <p:spPr>
-          <a:xfrm>
-            <a:off x="5378817" y="2662035"/>
-            <a:ext cx="2078265" cy="320040"/>
-          </a:xfrm>
-          <a:prstGeom prst="rect">
-            <a:avLst/>
-          </a:prstGeom>
-          <a:solidFill>
-            <a:schemeClr val="accent2"/>
-          </a:solidFill>
-          <a:ln>
-            <a:noFill/>
-          </a:ln>
-          <a:effectLst/>
-        </p:spPr>
-        <p:style>
-          <a:lnRef idx="1">
-            <a:schemeClr val="accent1"/>
-          </a:lnRef>
-          <a:fillRef idx="3">
-            <a:schemeClr val="accent1"/>
-          </a:fillRef>
-          <a:effectRef idx="2">
-            <a:schemeClr val="accent1"/>
-          </a:effectRef>
-          <a:fontRef idx="minor">
-            <a:schemeClr val="lt1"/>
-          </a:fontRef>
-        </p:style>
-        <p:txBody>
-          <a:bodyPr lIns="0" tIns="0" rIns="0" bIns="0" rtlCol="0" anchor="ctr" anchorCtr="1"/>
-          <a:lstStyle/>
-          <a:p>
-            <a:pPr algn="ctr">
-              <a:lnSpc>
-                <a:spcPct val="90000"/>
-              </a:lnSpc>
-            </a:pPr>
-            <a:r>
-              <a:rPr lang="en-US" sz="900" b="1">
+              <a:rPr lang="en-US" sz="900" b="1" dirty="0">
                 <a:latin typeface="Trebuchet MS"/>
                 <a:cs typeface="Trebuchet MS"/>
               </a:rPr>
@@ -31022,6 +30531,195 @@
               <a:t>5</a:t>
             </a:fld>
             <a:endParaRPr lang="en-US" dirty="0"/>
+          </a:p>
+        </p:txBody>
+      </p:sp>
+      <p:sp>
+        <p:nvSpPr>
+          <p:cNvPr id="39" name="Rectangle 38">
+            <a:extLst>
+              <a:ext uri="{FF2B5EF4-FFF2-40B4-BE49-F238E27FC236}">
+                <a16:creationId xmlns:a16="http://schemas.microsoft.com/office/drawing/2014/main" id="{6D1CACB3-720B-4FC3-8566-311011AAB42E}"/>
+              </a:ext>
+            </a:extLst>
+          </p:cNvPr>
+          <p:cNvSpPr>
+            <a:spLocks/>
+          </p:cNvSpPr>
+          <p:nvPr/>
+        </p:nvSpPr>
+        <p:spPr>
+          <a:xfrm>
+            <a:off x="7481332" y="1976289"/>
+            <a:ext cx="1399347" cy="320040"/>
+          </a:xfrm>
+          <a:prstGeom prst="rect">
+            <a:avLst/>
+          </a:prstGeom>
+          <a:solidFill>
+            <a:schemeClr val="accent2"/>
+          </a:solidFill>
+          <a:ln>
+            <a:noFill/>
+          </a:ln>
+          <a:effectLst/>
+        </p:spPr>
+        <p:style>
+          <a:lnRef idx="1">
+            <a:schemeClr val="accent1"/>
+          </a:lnRef>
+          <a:fillRef idx="3">
+            <a:schemeClr val="accent1"/>
+          </a:fillRef>
+          <a:effectRef idx="2">
+            <a:schemeClr val="accent1"/>
+          </a:effectRef>
+          <a:fontRef idx="minor">
+            <a:schemeClr val="lt1"/>
+          </a:fontRef>
+        </p:style>
+        <p:txBody>
+          <a:bodyPr lIns="0" tIns="0" rIns="0" bIns="0" rtlCol="0" anchor="ctr" anchorCtr="1"/>
+          <a:lstStyle/>
+          <a:p>
+            <a:pPr algn="ctr">
+              <a:lnSpc>
+                <a:spcPct val="90000"/>
+              </a:lnSpc>
+            </a:pPr>
+            <a:r>
+              <a:rPr lang="en-US" sz="900" b="1" dirty="0">
+                <a:latin typeface="Trebuchet MS"/>
+                <a:cs typeface="Trebuchet MS"/>
+              </a:rPr>
+              <a:t>Data Modeling</a:t>
+            </a:r>
+          </a:p>
+        </p:txBody>
+      </p:sp>
+      <p:sp>
+        <p:nvSpPr>
+          <p:cNvPr id="40" name="Rectangle 39">
+            <a:extLst>
+              <a:ext uri="{FF2B5EF4-FFF2-40B4-BE49-F238E27FC236}">
+                <a16:creationId xmlns:a16="http://schemas.microsoft.com/office/drawing/2014/main" id="{8D6E5D23-613F-4753-95FE-EA80989038C6}"/>
+              </a:ext>
+            </a:extLst>
+          </p:cNvPr>
+          <p:cNvSpPr>
+            <a:spLocks/>
+          </p:cNvSpPr>
+          <p:nvPr/>
+        </p:nvSpPr>
+        <p:spPr>
+          <a:xfrm>
+            <a:off x="7481332" y="2312103"/>
+            <a:ext cx="1399347" cy="320040"/>
+          </a:xfrm>
+          <a:prstGeom prst="rect">
+            <a:avLst/>
+          </a:prstGeom>
+          <a:solidFill>
+            <a:schemeClr val="accent2"/>
+          </a:solidFill>
+          <a:ln>
+            <a:noFill/>
+          </a:ln>
+          <a:effectLst/>
+        </p:spPr>
+        <p:style>
+          <a:lnRef idx="1">
+            <a:schemeClr val="accent1"/>
+          </a:lnRef>
+          <a:fillRef idx="3">
+            <a:schemeClr val="accent1"/>
+          </a:fillRef>
+          <a:effectRef idx="2">
+            <a:schemeClr val="accent1"/>
+          </a:effectRef>
+          <a:fontRef idx="minor">
+            <a:schemeClr val="lt1"/>
+          </a:fontRef>
+        </p:style>
+        <p:txBody>
+          <a:bodyPr lIns="0" tIns="0" rIns="0" bIns="0" rtlCol="0" anchor="ctr" anchorCtr="1"/>
+          <a:lstStyle/>
+          <a:p>
+            <a:pPr algn="ctr">
+              <a:lnSpc>
+                <a:spcPct val="90000"/>
+              </a:lnSpc>
+            </a:pPr>
+            <a:r>
+              <a:rPr lang="en-US" sz="900" b="1" dirty="0">
+                <a:latin typeface="Trebuchet MS"/>
+                <a:cs typeface="Trebuchet MS"/>
+              </a:rPr>
+              <a:t>Visualizations</a:t>
+            </a:r>
+          </a:p>
+        </p:txBody>
+      </p:sp>
+      <p:sp>
+        <p:nvSpPr>
+          <p:cNvPr id="43" name="Rectangle 42">
+            <a:extLst>
+              <a:ext uri="{FF2B5EF4-FFF2-40B4-BE49-F238E27FC236}">
+                <a16:creationId xmlns:a16="http://schemas.microsoft.com/office/drawing/2014/main" id="{10C7D496-46F9-4179-A12D-274A8638968B}"/>
+              </a:ext>
+            </a:extLst>
+          </p:cNvPr>
+          <p:cNvSpPr>
+            <a:spLocks/>
+          </p:cNvSpPr>
+          <p:nvPr/>
+        </p:nvSpPr>
+        <p:spPr>
+          <a:xfrm>
+            <a:off x="7481332" y="2656826"/>
+            <a:ext cx="1399347" cy="320040"/>
+          </a:xfrm>
+          <a:prstGeom prst="rect">
+            <a:avLst/>
+          </a:prstGeom>
+          <a:solidFill>
+            <a:schemeClr val="accent2"/>
+          </a:solidFill>
+          <a:ln>
+            <a:noFill/>
+          </a:ln>
+          <a:effectLst/>
+        </p:spPr>
+        <p:style>
+          <a:lnRef idx="1">
+            <a:schemeClr val="accent1"/>
+          </a:lnRef>
+          <a:fillRef idx="3">
+            <a:schemeClr val="accent1"/>
+          </a:fillRef>
+          <a:effectRef idx="2">
+            <a:schemeClr val="accent1"/>
+          </a:effectRef>
+          <a:fontRef idx="minor">
+            <a:schemeClr val="lt1"/>
+          </a:fontRef>
+        </p:style>
+        <p:txBody>
+          <a:bodyPr lIns="0" tIns="0" rIns="0" bIns="0" rtlCol="0" anchor="ctr" anchorCtr="1"/>
+          <a:lstStyle/>
+          <a:p>
+            <a:pPr algn="ctr">
+              <a:lnSpc>
+                <a:spcPct val="90000"/>
+              </a:lnSpc>
+            </a:pPr>
+            <a:r>
+              <a:rPr lang="en-US" sz="900" b="1" dirty="0">
+                <a:latin typeface="Trebuchet MS"/>
+                <a:cs typeface="Trebuchet MS"/>
+              </a:rPr>
+              <a:t>DAX</a:t>
+            </a:r>
           </a:p>
         </p:txBody>
       </p:sp>
